--- a/fuentes/contenidos/grado10/guion02/CN_10_02_F.pptx
+++ b/fuentes/contenidos/grado10/guion02/CN_10_02_F.pptx
@@ -106,13 +106,18 @@
   </p:defaultTextStyle>
   <p:extLst>
     <p:ext uri="{EFAFB233-063F-42B5-8137-9DF3F51BA10A}">
-      <p15:sldGuideLst xmlns:p15="http://schemas.microsoft.com/office/powerpoint/2012/main" xmlns="">
+      <p15:sldGuideLst xmlns:p15="http://schemas.microsoft.com/office/powerpoint/2012/main">
         <p15:guide id="1" orient="horz" pos="2160">
           <p15:clr>
             <a:srgbClr val="A4A3A4"/>
           </p15:clr>
         </p15:guide>
         <p15:guide id="2" pos="2880">
+          <p15:clr>
+            <a:srgbClr val="A4A3A4"/>
+          </p15:clr>
+        </p15:guide>
+        <p15:guide id="3" pos="2866">
           <p15:clr>
             <a:srgbClr val="A4A3A4"/>
           </p15:clr>
@@ -153,7 +158,7 @@
   <p:timing>
     <p:tnLst>
       <p:par>
-        <p:cTn xmlns:p14="http://schemas.microsoft.com/office/powerpoint/2010/main" id="1" dur="indefinite" restart="never" nodeType="tmRoot"/>
+        <p:cTn id="1" dur="indefinite" restart="never" nodeType="tmRoot"/>
       </p:par>
     </p:tnLst>
   </p:timing>
@@ -190,7 +195,7 @@
   <p:timing>
     <p:tnLst>
       <p:par>
-        <p:cTn xmlns:p14="http://schemas.microsoft.com/office/powerpoint/2010/main" id="1" dur="indefinite" restart="never" nodeType="tmRoot"/>
+        <p:cTn id="1" dur="indefinite" restart="never" nodeType="tmRoot"/>
       </p:par>
     </p:tnLst>
   </p:timing>
@@ -227,7 +232,7 @@
   <p:timing>
     <p:tnLst>
       <p:par>
-        <p:cTn xmlns:p14="http://schemas.microsoft.com/office/powerpoint/2010/main" id="1" dur="indefinite" restart="never" nodeType="tmRoot"/>
+        <p:cTn id="1" dur="indefinite" restart="never" nodeType="tmRoot"/>
       </p:par>
     </p:tnLst>
   </p:timing>
@@ -264,7 +269,7 @@
   <p:timing>
     <p:tnLst>
       <p:par>
-        <p:cTn xmlns:p14="http://schemas.microsoft.com/office/powerpoint/2010/main" id="1" dur="indefinite" restart="never" nodeType="tmRoot"/>
+        <p:cTn id="1" dur="indefinite" restart="never" nodeType="tmRoot"/>
       </p:par>
     </p:tnLst>
   </p:timing>
@@ -301,7 +306,7 @@
   <p:timing>
     <p:tnLst>
       <p:par>
-        <p:cTn xmlns:p14="http://schemas.microsoft.com/office/powerpoint/2010/main" id="1" dur="indefinite" restart="never" nodeType="tmRoot"/>
+        <p:cTn id="1" dur="indefinite" restart="never" nodeType="tmRoot"/>
       </p:par>
     </p:tnLst>
   </p:timing>
@@ -338,7 +343,7 @@
   <p:timing>
     <p:tnLst>
       <p:par>
-        <p:cTn xmlns:p14="http://schemas.microsoft.com/office/powerpoint/2010/main" id="1" dur="indefinite" restart="never" nodeType="tmRoot"/>
+        <p:cTn id="1" dur="indefinite" restart="never" nodeType="tmRoot"/>
       </p:par>
     </p:tnLst>
   </p:timing>
@@ -375,7 +380,7 @@
   <p:timing>
     <p:tnLst>
       <p:par>
-        <p:cTn xmlns:p14="http://schemas.microsoft.com/office/powerpoint/2010/main" id="1" dur="indefinite" restart="never" nodeType="tmRoot"/>
+        <p:cTn id="1" dur="indefinite" restart="never" nodeType="tmRoot"/>
       </p:par>
     </p:tnLst>
   </p:timing>
@@ -412,7 +417,7 @@
   <p:timing>
     <p:tnLst>
       <p:par>
-        <p:cTn xmlns:p14="http://schemas.microsoft.com/office/powerpoint/2010/main" id="1" dur="indefinite" restart="never" nodeType="tmRoot"/>
+        <p:cTn id="1" dur="indefinite" restart="never" nodeType="tmRoot"/>
       </p:par>
     </p:tnLst>
   </p:timing>
@@ -461,7 +466,7 @@
           <a:p>
             <a:fld id="{5001C876-01F7-4317-94B9-1AE222133113}" type="datetimeFigureOut">
               <a:rPr lang="es-ES" smtClean="0"/>
-              <a:t>21/09/15</a:t>
+              <a:t>21/10/2015</a:t>
             </a:fld>
             <a:endParaRPr lang="es-ES"/>
           </a:p>
@@ -519,7 +524,7 @@
           <a:p>
             <a:fld id="{58140F73-F5A2-4B82-A2FA-BF1850CF1309}" type="slidenum">
               <a:rPr lang="es-ES" smtClean="0"/>
-              <a:t>‹Nr.›</a:t>
+              <a:t>‹Nº›</a:t>
             </a:fld>
             <a:endParaRPr lang="es-ES"/>
           </a:p>
@@ -538,7 +543,7 @@
   <p:timing>
     <p:tnLst>
       <p:par>
-        <p:cTn xmlns:p14="http://schemas.microsoft.com/office/powerpoint/2010/main" id="1" dur="indefinite" restart="never" nodeType="tmRoot"/>
+        <p:cTn id="1" dur="indefinite" restart="never" nodeType="tmRoot"/>
       </p:par>
     </p:tnLst>
   </p:timing>
@@ -575,7 +580,7 @@
   <p:timing>
     <p:tnLst>
       <p:par>
-        <p:cTn xmlns:p14="http://schemas.microsoft.com/office/powerpoint/2010/main" id="1" dur="indefinite" restart="never" nodeType="tmRoot"/>
+        <p:cTn id="1" dur="indefinite" restart="never" nodeType="tmRoot"/>
       </p:par>
     </p:tnLst>
   </p:timing>
@@ -612,7 +617,7 @@
   <p:timing>
     <p:tnLst>
       <p:par>
-        <p:cTn xmlns:p14="http://schemas.microsoft.com/office/powerpoint/2010/main" id="1" dur="indefinite" restart="never" nodeType="tmRoot"/>
+        <p:cTn id="1" dur="indefinite" restart="never" nodeType="tmRoot"/>
       </p:par>
     </p:tnLst>
   </p:timing>
@@ -725,7 +730,7 @@
   <p:timing>
     <p:tnLst>
       <p:par>
-        <p:cTn xmlns:p14="http://schemas.microsoft.com/office/powerpoint/2010/main" id="1" dur="indefinite" restart="never" nodeType="tmRoot"/>
+        <p:cTn id="1" dur="indefinite" restart="never" nodeType="tmRoot"/>
       </p:par>
     </p:tnLst>
   </p:timing>
@@ -1240,7 +1245,7 @@
                   <a:schemeClr val="bg1"/>
                 </a:solidFill>
               </a:rPr>
-              <a:t>Trayectorias</a:t>
+              <a:t>trayectorias</a:t>
             </a:r>
             <a:endParaRPr lang="es-ES" sz="1000" dirty="0">
               <a:solidFill>
@@ -1283,12 +1288,20 @@
           <a:p>
             <a:pPr algn="ctr"/>
             <a:r>
+              <a:rPr lang="es-ES" sz="1000" dirty="0">
+                <a:solidFill>
+                  <a:schemeClr val="bg1"/>
+                </a:solidFill>
+              </a:rPr>
+              <a:t>e</a:t>
+            </a:r>
+            <a:r>
               <a:rPr lang="es-ES" sz="1000" dirty="0" smtClean="0">
                 <a:solidFill>
                   <a:schemeClr val="bg1"/>
                 </a:solidFill>
               </a:rPr>
-              <a:t>Escalares</a:t>
+              <a:t>scalares</a:t>
             </a:r>
             <a:endParaRPr lang="es-ES" sz="1000" dirty="0">
               <a:solidFill>
@@ -1331,12 +1344,20 @@
           <a:p>
             <a:pPr algn="ctr"/>
             <a:r>
+              <a:rPr lang="es-ES" sz="1000" dirty="0">
+                <a:solidFill>
+                  <a:schemeClr val="bg1"/>
+                </a:solidFill>
+              </a:rPr>
+              <a:t>v</a:t>
+            </a:r>
+            <a:r>
               <a:rPr lang="es-ES" sz="1000" dirty="0" smtClean="0">
                 <a:solidFill>
                   <a:schemeClr val="bg1"/>
                 </a:solidFill>
               </a:rPr>
-              <a:t>Vectoriales</a:t>
+              <a:t>ectoriales</a:t>
             </a:r>
             <a:endParaRPr lang="es-ES" sz="1000" dirty="0">
               <a:solidFill>
@@ -1475,8 +1496,16 @@
           <a:p>
             <a:pPr algn="ctr"/>
             <a:r>
-              <a:rPr lang="es-ES" sz="900" dirty="0" smtClean="0"/>
-              <a:t>Línea recta</a:t>
+              <a:rPr lang="es-ES" sz="900" dirty="0"/>
+              <a:t>l</a:t>
+            </a:r>
+            <a:r>
+              <a:rPr lang="es-ES" sz="900" dirty="0" smtClean="0"/>
+              <a:t>ínea </a:t>
+            </a:r>
+            <a:r>
+              <a:rPr lang="es-ES" sz="900" dirty="0" smtClean="0"/>
+              <a:t>recta</a:t>
             </a:r>
           </a:p>
           <a:p>
@@ -1530,7 +1559,7 @@
             <a:pPr algn="ctr"/>
             <a:r>
               <a:rPr lang="es-ES" sz="900" dirty="0" smtClean="0"/>
-              <a:t>Distancia</a:t>
+              <a:t>distancia</a:t>
             </a:r>
             <a:endParaRPr lang="es-ES" sz="900" dirty="0"/>
           </a:p>
@@ -1569,8 +1598,12 @@
           <a:p>
             <a:pPr algn="ctr"/>
             <a:r>
-              <a:rPr lang="es-ES" sz="900" dirty="0" smtClean="0"/>
-              <a:t>Rapidez</a:t>
+              <a:rPr lang="es-ES" sz="900" dirty="0"/>
+              <a:t>r</a:t>
+            </a:r>
+            <a:r>
+              <a:rPr lang="es-ES" sz="900" dirty="0" smtClean="0"/>
+              <a:t>apidez</a:t>
             </a:r>
             <a:endParaRPr lang="es-ES" sz="900" dirty="0"/>
           </a:p>
@@ -1609,8 +1642,12 @@
           <a:p>
             <a:pPr algn="ctr"/>
             <a:r>
-              <a:rPr lang="es-ES" sz="900" dirty="0" smtClean="0"/>
-              <a:t>Desplazamiento</a:t>
+              <a:rPr lang="es-ES" sz="900" dirty="0"/>
+              <a:t>d</a:t>
+            </a:r>
+            <a:r>
+              <a:rPr lang="es-ES" sz="900" dirty="0" smtClean="0"/>
+              <a:t>esplazamiento</a:t>
             </a:r>
             <a:endParaRPr lang="es-ES" sz="900" dirty="0"/>
           </a:p>
@@ -1649,8 +1686,12 @@
           <a:p>
             <a:pPr algn="ctr"/>
             <a:r>
-              <a:rPr lang="es-ES" sz="900" dirty="0" smtClean="0"/>
-              <a:t>Velocidad</a:t>
+              <a:rPr lang="es-ES" sz="900" dirty="0"/>
+              <a:t>v</a:t>
+            </a:r>
+            <a:r>
+              <a:rPr lang="es-ES" sz="900" dirty="0" smtClean="0"/>
+              <a:t>elocidad</a:t>
             </a:r>
             <a:endParaRPr lang="es-ES" sz="900" dirty="0"/>
           </a:p>
@@ -1689,8 +1730,12 @@
           <a:p>
             <a:pPr algn="ctr"/>
             <a:r>
-              <a:rPr lang="es-ES" sz="900" dirty="0" smtClean="0"/>
-              <a:t>Aceleración</a:t>
+              <a:rPr lang="es-ES" sz="900" dirty="0"/>
+              <a:t>a</a:t>
+            </a:r>
+            <a:r>
+              <a:rPr lang="es-ES" sz="900" dirty="0" smtClean="0"/>
+              <a:t>celeración</a:t>
             </a:r>
             <a:endParaRPr lang="es-ES" sz="900" dirty="0"/>
           </a:p>
@@ -1729,8 +1774,12 @@
           <a:p>
             <a:pPr algn="ctr"/>
             <a:r>
-              <a:rPr lang="es-ES" sz="900" dirty="0" smtClean="0"/>
-              <a:t>Trayectoria</a:t>
+              <a:rPr lang="es-ES" sz="900" dirty="0"/>
+              <a:t>t</a:t>
+            </a:r>
+            <a:r>
+              <a:rPr lang="es-ES" sz="900" dirty="0" smtClean="0"/>
+              <a:t>rayectoria</a:t>
             </a:r>
             <a:endParaRPr lang="es-ES" sz="900" dirty="0"/>
           </a:p>
@@ -1889,8 +1938,12 @@
           <a:p>
             <a:pPr algn="ctr"/>
             <a:r>
-              <a:rPr lang="es-ES" sz="900" dirty="0" smtClean="0"/>
-              <a:t>Rectilínea</a:t>
+              <a:rPr lang="es-ES" sz="900" dirty="0"/>
+              <a:t>r</a:t>
+            </a:r>
+            <a:r>
+              <a:rPr lang="es-ES" sz="900" dirty="0" smtClean="0"/>
+              <a:t>ectilínea</a:t>
             </a:r>
             <a:endParaRPr lang="es-ES" sz="900" dirty="0"/>
           </a:p>
@@ -2049,8 +2102,16 @@
           <a:p>
             <a:pPr algn="ctr"/>
             <a:r>
-              <a:rPr lang="es-ES" sz="900" dirty="0" smtClean="0"/>
-              <a:t>Velocidad constante</a:t>
+              <a:rPr lang="es-ES" sz="900" dirty="0"/>
+              <a:t>v</a:t>
+            </a:r>
+            <a:r>
+              <a:rPr lang="es-ES" sz="900" dirty="0" smtClean="0"/>
+              <a:t>elocidad </a:t>
+            </a:r>
+            <a:r>
+              <a:rPr lang="es-ES" sz="900" dirty="0" smtClean="0"/>
+              <a:t>constante</a:t>
             </a:r>
             <a:endParaRPr lang="es-ES" sz="900" dirty="0"/>
           </a:p>
@@ -2065,7 +2126,7 @@
         <p:spPr>
           <a:xfrm>
             <a:off x="4392929" y="4920504"/>
-            <a:ext cx="949123" cy="369332"/>
+            <a:ext cx="949123" cy="230832"/>
           </a:xfrm>
           <a:prstGeom prst="rect">
             <a:avLst/>
@@ -2085,8 +2146,16 @@
           <a:p>
             <a:pPr algn="ctr"/>
             <a:r>
-              <a:rPr lang="es-ES" sz="900" dirty="0" smtClean="0"/>
-              <a:t>Aceleración nula</a:t>
+              <a:rPr lang="es-ES" sz="900" dirty="0"/>
+              <a:t>a</a:t>
+            </a:r>
+            <a:r>
+              <a:rPr lang="es-ES" sz="900" dirty="0" smtClean="0"/>
+              <a:t>celeración </a:t>
+            </a:r>
+            <a:r>
+              <a:rPr lang="es-ES" sz="900" dirty="0" smtClean="0"/>
+              <a:t>nula</a:t>
             </a:r>
             <a:endParaRPr lang="es-ES" sz="900" dirty="0"/>
           </a:p>
@@ -2123,8 +2192,16 @@
           <a:p>
             <a:pPr algn="ctr"/>
             <a:r>
-              <a:rPr lang="es-ES" sz="900" dirty="0" smtClean="0"/>
-              <a:t>Función lineal</a:t>
+              <a:rPr lang="es-ES" sz="900" dirty="0"/>
+              <a:t>f</a:t>
+            </a:r>
+            <a:r>
+              <a:rPr lang="es-ES" sz="900" dirty="0" smtClean="0"/>
+              <a:t>unción </a:t>
+            </a:r>
+            <a:r>
+              <a:rPr lang="es-ES" sz="900" dirty="0" smtClean="0"/>
+              <a:t>lineal</a:t>
             </a:r>
             <a:endParaRPr lang="es-ES" sz="900" dirty="0"/>
           </a:p>
@@ -2159,8 +2236,16 @@
           <a:p>
             <a:pPr algn="ctr"/>
             <a:r>
-              <a:rPr lang="es-ES" sz="900" dirty="0" smtClean="0"/>
-              <a:t>Pendiente representa velocidad</a:t>
+              <a:rPr lang="es-ES" sz="900" dirty="0"/>
+              <a:t>p</a:t>
+            </a:r>
+            <a:r>
+              <a:rPr lang="es-ES" sz="900" dirty="0" smtClean="0"/>
+              <a:t>endiente </a:t>
+            </a:r>
+            <a:r>
+              <a:rPr lang="es-ES" sz="900" dirty="0" smtClean="0"/>
+              <a:t>representa velocidad</a:t>
             </a:r>
             <a:endParaRPr lang="es-ES" sz="900" dirty="0"/>
           </a:p>
@@ -2199,8 +2284,20 @@
           <a:p>
             <a:pPr algn="ctr"/>
             <a:r>
-              <a:rPr lang="es-ES" sz="900" dirty="0" smtClean="0"/>
-              <a:t>Sistema de referencia fijo</a:t>
+              <a:rPr lang="es-ES" sz="900" dirty="0"/>
+              <a:t>u</a:t>
+            </a:r>
+            <a:r>
+              <a:rPr lang="es-ES" sz="900" dirty="0" smtClean="0"/>
+              <a:t>n s</a:t>
+            </a:r>
+            <a:r>
+              <a:rPr lang="es-ES" sz="900" dirty="0" smtClean="0"/>
+              <a:t>istema </a:t>
+            </a:r>
+            <a:r>
+              <a:rPr lang="es-ES" sz="900" dirty="0" smtClean="0"/>
+              <a:t>de referencia fijo</a:t>
             </a:r>
             <a:endParaRPr lang="es-ES" sz="900" dirty="0"/>
           </a:p>
@@ -2235,8 +2332,20 @@
           <a:p>
             <a:pPr algn="ctr"/>
             <a:r>
-              <a:rPr lang="es-ES" sz="900" dirty="0" smtClean="0"/>
-              <a:t>Velocidad – Tiempo</a:t>
+              <a:rPr lang="es-ES" sz="900" dirty="0"/>
+              <a:t>v</a:t>
+            </a:r>
+            <a:r>
+              <a:rPr lang="es-ES" sz="900" dirty="0" smtClean="0"/>
+              <a:t>elocidad </a:t>
+            </a:r>
+            <a:r>
+              <a:rPr lang="es-ES" sz="900" dirty="0" smtClean="0"/>
+              <a:t>– </a:t>
+            </a:r>
+            <a:r>
+              <a:rPr lang="es-ES" sz="900" dirty="0" smtClean="0"/>
+              <a:t>tiempo</a:t>
             </a:r>
             <a:endParaRPr lang="es-ES" sz="900" dirty="0"/>
           </a:p>
@@ -2271,8 +2380,20 @@
           <a:p>
             <a:pPr algn="ctr"/>
             <a:r>
-              <a:rPr lang="es-ES" sz="900" dirty="0" smtClean="0"/>
-              <a:t>Recta Horizontal</a:t>
+              <a:rPr lang="es-ES" sz="900" dirty="0"/>
+              <a:t>r</a:t>
+            </a:r>
+            <a:r>
+              <a:rPr lang="es-ES" sz="900" dirty="0" smtClean="0"/>
+              <a:t>ecta </a:t>
+            </a:r>
+            <a:r>
+              <a:rPr lang="es-ES" sz="900" dirty="0"/>
+              <a:t>h</a:t>
+            </a:r>
+            <a:r>
+              <a:rPr lang="es-ES" sz="900" dirty="0" smtClean="0"/>
+              <a:t>orizontal</a:t>
             </a:r>
             <a:endParaRPr lang="es-ES" sz="900" dirty="0"/>
           </a:p>
@@ -2308,7 +2429,11 @@
             <a:pPr algn="ctr"/>
             <a:r>
               <a:rPr lang="es-ES" sz="900" dirty="0" smtClean="0"/>
-              <a:t>Área representa el desplazamiento</a:t>
+              <a:t>área </a:t>
+            </a:r>
+            <a:r>
+              <a:rPr lang="es-ES" sz="900" dirty="0" smtClean="0"/>
+              <a:t>representa el desplazamiento</a:t>
             </a:r>
             <a:endParaRPr lang="es-ES" sz="900" dirty="0"/>
           </a:p>
@@ -2345,8 +2470,16 @@
           <a:p>
             <a:pPr algn="ctr"/>
             <a:r>
-              <a:rPr lang="es-ES" sz="900" dirty="0" smtClean="0"/>
-              <a:t>Aceleración constante</a:t>
+              <a:rPr lang="es-ES" sz="900" dirty="0"/>
+              <a:t>a</a:t>
+            </a:r>
+            <a:r>
+              <a:rPr lang="es-ES" sz="900" dirty="0" smtClean="0"/>
+              <a:t>celeración </a:t>
+            </a:r>
+            <a:r>
+              <a:rPr lang="es-ES" sz="900" dirty="0" smtClean="0"/>
+              <a:t>constante</a:t>
             </a:r>
             <a:endParaRPr lang="es-ES" sz="900" dirty="0"/>
           </a:p>
@@ -2383,8 +2516,16 @@
           <a:p>
             <a:pPr algn="ctr"/>
             <a:r>
-              <a:rPr lang="es-ES" sz="900" dirty="0" smtClean="0"/>
-              <a:t>Función cuadrática</a:t>
+              <a:rPr lang="es-ES" sz="900" dirty="0"/>
+              <a:t>f</a:t>
+            </a:r>
+            <a:r>
+              <a:rPr lang="es-ES" sz="900" dirty="0" smtClean="0"/>
+              <a:t>unción </a:t>
+            </a:r>
+            <a:r>
+              <a:rPr lang="es-ES" sz="900" dirty="0" smtClean="0"/>
+              <a:t>cuadrática</a:t>
             </a:r>
             <a:endParaRPr lang="es-ES" sz="900" dirty="0"/>
           </a:p>
@@ -2419,8 +2560,20 @@
           <a:p>
             <a:pPr algn="ctr"/>
             <a:r>
-              <a:rPr lang="es-ES" sz="900" dirty="0" smtClean="0"/>
-              <a:t>Velocidad - Tiempo</a:t>
+              <a:rPr lang="es-ES" sz="900" dirty="0"/>
+              <a:t>v</a:t>
+            </a:r>
+            <a:r>
+              <a:rPr lang="es-ES" sz="900" dirty="0" smtClean="0"/>
+              <a:t>elocidad </a:t>
+            </a:r>
+            <a:r>
+              <a:rPr lang="es-ES" sz="900" dirty="0" smtClean="0"/>
+              <a:t>- </a:t>
+            </a:r>
+            <a:r>
+              <a:rPr lang="es-ES" sz="900" dirty="0" smtClean="0"/>
+              <a:t>tiempo</a:t>
             </a:r>
             <a:endParaRPr lang="es-ES" sz="900" dirty="0"/>
           </a:p>
@@ -2455,8 +2608,16 @@
           <a:p>
             <a:pPr algn="ctr"/>
             <a:r>
-              <a:rPr lang="es-ES" sz="900" dirty="0" smtClean="0"/>
-              <a:t>Pendiente representa aceleración</a:t>
+              <a:rPr lang="es-ES" sz="900" dirty="0"/>
+              <a:t>p</a:t>
+            </a:r>
+            <a:r>
+              <a:rPr lang="es-ES" sz="900" dirty="0" smtClean="0"/>
+              <a:t>endiente </a:t>
+            </a:r>
+            <a:r>
+              <a:rPr lang="es-ES" sz="900" dirty="0" smtClean="0"/>
+              <a:t>representa aceleración</a:t>
             </a:r>
             <a:endParaRPr lang="es-ES" sz="900" dirty="0"/>
           </a:p>
@@ -2492,7 +2653,11 @@
             <a:pPr algn="ctr"/>
             <a:r>
               <a:rPr lang="es-ES" sz="900" dirty="0" smtClean="0"/>
-              <a:t>Área bajo la «curva» representa el cambio de velocidad</a:t>
+              <a:t>área </a:t>
+            </a:r>
+            <a:r>
+              <a:rPr lang="es-ES" sz="900" dirty="0" smtClean="0"/>
+              <a:t>bajo la «curva» representa el cambio de velocidad</a:t>
             </a:r>
             <a:endParaRPr lang="es-ES" sz="900" dirty="0"/>
           </a:p>
@@ -2527,8 +2692,16 @@
           <a:p>
             <a:pPr algn="ctr"/>
             <a:r>
-              <a:rPr lang="es-ES" sz="900" dirty="0" smtClean="0"/>
-              <a:t>En el vacío</a:t>
+              <a:rPr lang="es-ES" sz="900" dirty="0"/>
+              <a:t>e</a:t>
+            </a:r>
+            <a:r>
+              <a:rPr lang="es-ES" sz="900" dirty="0" smtClean="0"/>
+              <a:t>n </a:t>
+            </a:r>
+            <a:r>
+              <a:rPr lang="es-ES" sz="900" dirty="0" smtClean="0"/>
+              <a:t>el vacío</a:t>
             </a:r>
             <a:endParaRPr lang="es-ES" sz="900" dirty="0"/>
           </a:p>
@@ -2563,8 +2736,16 @@
           <a:p>
             <a:pPr algn="ctr"/>
             <a:r>
-              <a:rPr lang="es-ES" sz="900" dirty="0" smtClean="0"/>
-              <a:t>Casos debidos a la aceleración de la gravedad</a:t>
+              <a:rPr lang="es-ES" sz="900" dirty="0"/>
+              <a:t>c</a:t>
+            </a:r>
+            <a:r>
+              <a:rPr lang="es-ES" sz="900" dirty="0" smtClean="0"/>
+              <a:t>asos </a:t>
+            </a:r>
+            <a:r>
+              <a:rPr lang="es-ES" sz="900" dirty="0" smtClean="0"/>
+              <a:t>debidos a la aceleración de la gravedad</a:t>
             </a:r>
             <a:endParaRPr lang="es-ES" sz="900" dirty="0"/>
           </a:p>
@@ -2599,8 +2780,16 @@
           <a:p>
             <a:pPr algn="ctr"/>
             <a:r>
-              <a:rPr lang="es-ES" sz="900" dirty="0" smtClean="0"/>
-              <a:t>Caída libre</a:t>
+              <a:rPr lang="es-ES" sz="900" dirty="0"/>
+              <a:t>c</a:t>
+            </a:r>
+            <a:r>
+              <a:rPr lang="es-ES" sz="900" dirty="0" smtClean="0"/>
+              <a:t>aída </a:t>
+            </a:r>
+            <a:r>
+              <a:rPr lang="es-ES" sz="900" dirty="0" smtClean="0"/>
+              <a:t>libre</a:t>
             </a:r>
             <a:endParaRPr lang="es-ES" sz="900" dirty="0"/>
           </a:p>
@@ -2635,8 +2824,16 @@
           <a:p>
             <a:pPr algn="ctr"/>
             <a:r>
-              <a:rPr lang="es-ES" sz="900" dirty="0" smtClean="0"/>
-              <a:t>Lanzamiento vertical</a:t>
+              <a:rPr lang="es-ES" sz="900" dirty="0"/>
+              <a:t>l</a:t>
+            </a:r>
+            <a:r>
+              <a:rPr lang="es-ES" sz="900" dirty="0" smtClean="0"/>
+              <a:t>anzamiento </a:t>
+            </a:r>
+            <a:r>
+              <a:rPr lang="es-ES" sz="900" dirty="0" smtClean="0"/>
+              <a:t>vertical</a:t>
             </a:r>
             <a:endParaRPr lang="es-ES" sz="900" dirty="0"/>
           </a:p>
@@ -2671,8 +2868,20 @@
           <a:p>
             <a:pPr algn="ctr"/>
             <a:r>
-              <a:rPr lang="es-ES" sz="900" dirty="0" smtClean="0"/>
-              <a:t>Cuerpo que desacelera mientras sube</a:t>
+              <a:rPr lang="es-ES" sz="900" dirty="0"/>
+              <a:t>u</a:t>
+            </a:r>
+            <a:r>
+              <a:rPr lang="es-ES" sz="900" dirty="0" smtClean="0"/>
+              <a:t>n c</a:t>
+            </a:r>
+            <a:r>
+              <a:rPr lang="es-ES" sz="900" dirty="0" smtClean="0"/>
+              <a:t>uerpo </a:t>
+            </a:r>
+            <a:r>
+              <a:rPr lang="es-ES" sz="900" dirty="0" smtClean="0"/>
+              <a:t>que desacelera mientras sube</a:t>
             </a:r>
             <a:endParaRPr lang="es-ES" sz="900" dirty="0"/>
           </a:p>
@@ -2687,7 +2896,7 @@
         <p:spPr>
           <a:xfrm>
             <a:off x="4042413" y="6417731"/>
-            <a:ext cx="949123" cy="369332"/>
+            <a:ext cx="949123" cy="507831"/>
           </a:xfrm>
           <a:prstGeom prst="rect">
             <a:avLst/>
@@ -2708,7 +2917,15 @@
             <a:pPr algn="ctr"/>
             <a:r>
               <a:rPr lang="es-ES" sz="900" dirty="0" smtClean="0"/>
-              <a:t>Cuerpo acelera mientras cae</a:t>
+              <a:t>un c</a:t>
+            </a:r>
+            <a:r>
+              <a:rPr lang="es-ES" sz="900" dirty="0" smtClean="0"/>
+              <a:t>uerpo </a:t>
+            </a:r>
+            <a:r>
+              <a:rPr lang="es-ES" sz="900" dirty="0" smtClean="0"/>
+              <a:t>acelera mientras cae</a:t>
             </a:r>
             <a:endParaRPr lang="es-ES" sz="900" dirty="0"/>
           </a:p>
@@ -4271,7 +4488,7 @@
         <p:spPr>
           <a:xfrm>
             <a:off x="2678950" y="6054626"/>
-            <a:ext cx="798127" cy="230832"/>
+            <a:ext cx="798127" cy="215444"/>
           </a:xfrm>
           <a:prstGeom prst="rect">
             <a:avLst/>
@@ -4288,13 +4505,13 @@
           <a:p>
             <a:pPr algn="ctr"/>
             <a:r>
-              <a:rPr lang="es-ES" sz="900" dirty="0" smtClean="0">
+              <a:rPr lang="es-ES" sz="800" dirty="0" smtClean="0">
                 <a:latin typeface="Arial" pitchFamily="34" charset="0"/>
                 <a:cs typeface="Arial" pitchFamily="34" charset="0"/>
               </a:rPr>
               <a:t>se observa</a:t>
             </a:r>
-            <a:endParaRPr lang="es-ES" sz="900" dirty="0">
+            <a:endParaRPr lang="es-ES" sz="800" dirty="0">
               <a:latin typeface="Arial" pitchFamily="34" charset="0"/>
               <a:cs typeface="Arial" pitchFamily="34" charset="0"/>
             </a:endParaRPr>
@@ -4310,7 +4527,7 @@
         <p:spPr>
           <a:xfrm>
             <a:off x="4098656" y="6083991"/>
-            <a:ext cx="798127" cy="230832"/>
+            <a:ext cx="798127" cy="215444"/>
           </a:xfrm>
           <a:prstGeom prst="rect">
             <a:avLst/>
@@ -4327,13 +4544,13 @@
           <a:p>
             <a:pPr algn="ctr"/>
             <a:r>
-              <a:rPr lang="es-ES" sz="900" dirty="0" smtClean="0">
+              <a:rPr lang="es-ES" sz="800" dirty="0" smtClean="0">
                 <a:latin typeface="Arial" pitchFamily="34" charset="0"/>
                 <a:cs typeface="Arial" pitchFamily="34" charset="0"/>
               </a:rPr>
               <a:t>se observa</a:t>
             </a:r>
-            <a:endParaRPr lang="es-ES" sz="900" dirty="0">
+            <a:endParaRPr lang="es-ES" sz="800" dirty="0">
               <a:latin typeface="Arial" pitchFamily="34" charset="0"/>
               <a:cs typeface="Arial" pitchFamily="34" charset="0"/>
             </a:endParaRPr>
@@ -4409,7 +4626,7 @@
                 <a:latin typeface="Arial" pitchFamily="34" charset="0"/>
                 <a:cs typeface="Arial" pitchFamily="34" charset="0"/>
               </a:rPr>
-              <a:t>conformadas por</a:t>
+              <a:t>como</a:t>
             </a:r>
             <a:endParaRPr lang="es-ES" sz="900" dirty="0">
               <a:latin typeface="Arial" pitchFamily="34" charset="0"/>
@@ -4426,7 +4643,7 @@
         </p:nvSpPr>
         <p:spPr>
           <a:xfrm>
-            <a:off x="3204393" y="2512849"/>
+            <a:off x="3213918" y="2512849"/>
             <a:ext cx="1083472" cy="230832"/>
           </a:xfrm>
           <a:prstGeom prst="rect">
@@ -4443,19 +4660,12 @@
           <a:lstStyle/>
           <a:p>
             <a:pPr algn="ctr"/>
-            <a:r>
-              <a:rPr lang="es-ES" sz="900" dirty="0">
-                <a:latin typeface="Arial" pitchFamily="34" charset="0"/>
-                <a:cs typeface="Arial" pitchFamily="34" charset="0"/>
-              </a:rPr>
-              <a:t>c</a:t>
-            </a:r>
             <a:r>
               <a:rPr lang="es-ES" sz="900" dirty="0" smtClean="0">
                 <a:latin typeface="Arial" pitchFamily="34" charset="0"/>
                 <a:cs typeface="Arial" pitchFamily="34" charset="0"/>
               </a:rPr>
-              <a:t>onformadas por</a:t>
+              <a:t>como</a:t>
             </a:r>
             <a:endParaRPr lang="es-ES" sz="900" dirty="0">
               <a:latin typeface="Arial" pitchFamily="34" charset="0"/>
@@ -4746,7 +4956,7 @@
         <p:spPr>
           <a:xfrm>
             <a:off x="5834987" y="6096138"/>
-            <a:ext cx="451348" cy="230832"/>
+            <a:ext cx="451348" cy="215444"/>
           </a:xfrm>
           <a:prstGeom prst="rect">
             <a:avLst/>
@@ -4763,13 +4973,13 @@
           <a:p>
             <a:pPr algn="ctr"/>
             <a:r>
-              <a:rPr lang="es-ES" sz="900" dirty="0" smtClean="0">
+              <a:rPr lang="es-ES" sz="800" dirty="0" smtClean="0">
                 <a:latin typeface="Arial" pitchFamily="34" charset="0"/>
                 <a:cs typeface="Arial" pitchFamily="34" charset="0"/>
               </a:rPr>
               <a:t>cuya</a:t>
             </a:r>
-            <a:endParaRPr lang="es-ES" sz="900" dirty="0">
+            <a:endParaRPr lang="es-ES" sz="800" dirty="0">
               <a:latin typeface="Arial" pitchFamily="34" charset="0"/>
               <a:cs typeface="Arial" pitchFamily="34" charset="0"/>
             </a:endParaRPr>
@@ -4824,7 +5034,7 @@
         <p:spPr>
           <a:xfrm>
             <a:off x="3186947" y="4566346"/>
-            <a:ext cx="1083472" cy="230832"/>
+            <a:ext cx="1083472" cy="215444"/>
           </a:xfrm>
           <a:prstGeom prst="rect">
             <a:avLst/>
@@ -4841,13 +5051,13 @@
           <a:p>
             <a:pPr algn="ctr"/>
             <a:r>
-              <a:rPr lang="es-ES" sz="900" dirty="0" smtClean="0">
+              <a:rPr lang="es-ES" sz="800" dirty="0" smtClean="0">
                 <a:latin typeface="Arial" pitchFamily="34" charset="0"/>
                 <a:cs typeface="Arial" pitchFamily="34" charset="0"/>
               </a:rPr>
               <a:t>se presentan</a:t>
             </a:r>
-            <a:endParaRPr lang="es-ES" sz="900" dirty="0">
+            <a:endParaRPr lang="es-ES" sz="800" dirty="0">
               <a:latin typeface="Arial" pitchFamily="34" charset="0"/>
               <a:cs typeface="Arial" pitchFamily="34" charset="0"/>
             </a:endParaRPr>
@@ -4863,7 +5073,7 @@
         <p:spPr>
           <a:xfrm>
             <a:off x="8211408" y="5775206"/>
-            <a:ext cx="451348" cy="230832"/>
+            <a:ext cx="451348" cy="215444"/>
           </a:xfrm>
           <a:prstGeom prst="rect">
             <a:avLst/>
@@ -4880,13 +5090,13 @@
           <a:p>
             <a:pPr algn="ctr"/>
             <a:r>
-              <a:rPr lang="es-ES" sz="900" dirty="0" smtClean="0">
+              <a:rPr lang="es-ES" sz="800" dirty="0" smtClean="0">
                 <a:latin typeface="Arial" pitchFamily="34" charset="0"/>
                 <a:cs typeface="Arial" pitchFamily="34" charset="0"/>
               </a:rPr>
               <a:t>cuya</a:t>
             </a:r>
-            <a:endParaRPr lang="es-ES" sz="900" dirty="0">
+            <a:endParaRPr lang="es-ES" sz="800" dirty="0">
               <a:latin typeface="Arial" pitchFamily="34" charset="0"/>
               <a:cs typeface="Arial" pitchFamily="34" charset="0"/>
             </a:endParaRPr>
@@ -4902,7 +5112,7 @@
         <p:spPr>
           <a:xfrm>
             <a:off x="5818629" y="4558906"/>
-            <a:ext cx="451348" cy="230832"/>
+            <a:ext cx="451348" cy="215444"/>
           </a:xfrm>
           <a:prstGeom prst="rect">
             <a:avLst/>
@@ -4919,13 +5129,13 @@
           <a:p>
             <a:pPr algn="ctr"/>
             <a:r>
-              <a:rPr lang="es-ES" sz="900" dirty="0" smtClean="0">
+              <a:rPr lang="es-ES" sz="800" dirty="0" smtClean="0">
                 <a:latin typeface="Arial" pitchFamily="34" charset="0"/>
                 <a:cs typeface="Arial" pitchFamily="34" charset="0"/>
               </a:rPr>
               <a:t>con</a:t>
             </a:r>
-            <a:endParaRPr lang="es-ES" sz="900" dirty="0">
+            <a:endParaRPr lang="es-ES" sz="800" dirty="0">
               <a:latin typeface="Arial" pitchFamily="34" charset="0"/>
               <a:cs typeface="Arial" pitchFamily="34" charset="0"/>
             </a:endParaRPr>
@@ -4941,7 +5151,7 @@
         <p:spPr>
           <a:xfrm>
             <a:off x="8211408" y="4970612"/>
-            <a:ext cx="451348" cy="230832"/>
+            <a:ext cx="451348" cy="215444"/>
           </a:xfrm>
           <a:prstGeom prst="rect">
             <a:avLst/>
@@ -4958,13 +5168,13 @@
           <a:p>
             <a:pPr algn="ctr"/>
             <a:r>
-              <a:rPr lang="es-ES" sz="900" dirty="0" smtClean="0">
+              <a:rPr lang="es-ES" sz="800" dirty="0" smtClean="0">
                 <a:latin typeface="Arial" pitchFamily="34" charset="0"/>
                 <a:cs typeface="Arial" pitchFamily="34" charset="0"/>
               </a:rPr>
               <a:t>con</a:t>
             </a:r>
-            <a:endParaRPr lang="es-ES" sz="900" dirty="0">
+            <a:endParaRPr lang="es-ES" sz="800" dirty="0">
               <a:latin typeface="Arial" pitchFamily="34" charset="0"/>
               <a:cs typeface="Arial" pitchFamily="34" charset="0"/>
             </a:endParaRPr>
@@ -4980,7 +5190,7 @@
         <p:spPr>
           <a:xfrm>
             <a:off x="679342" y="1183389"/>
-            <a:ext cx="677037" cy="230832"/>
+            <a:ext cx="677037" cy="369332"/>
           </a:xfrm>
           <a:prstGeom prst="rect">
             <a:avLst/>
@@ -4996,6 +5206,20 @@
           <a:lstStyle/>
           <a:p>
             <a:pPr algn="ctr"/>
+            <a:r>
+              <a:rPr lang="es-ES" sz="900">
+                <a:latin typeface="Arial" pitchFamily="34" charset="0"/>
+                <a:cs typeface="Arial" pitchFamily="34" charset="0"/>
+              </a:rPr>
+              <a:t>q</a:t>
+            </a:r>
+            <a:r>
+              <a:rPr lang="es-ES" sz="900" smtClean="0">
+                <a:latin typeface="Arial" pitchFamily="34" charset="0"/>
+                <a:cs typeface="Arial" pitchFamily="34" charset="0"/>
+              </a:rPr>
+              <a:t>ue </a:t>
+            </a:r>
             <a:r>
               <a:rPr lang="es-ES" sz="900" dirty="0" smtClean="0">
                 <a:latin typeface="Arial" pitchFamily="34" charset="0"/>
@@ -5113,7 +5337,7 @@
   <p:timing>
     <p:tnLst>
       <p:par>
-        <p:cTn xmlns:p14="http://schemas.microsoft.com/office/powerpoint/2010/main" id="1" dur="indefinite" restart="never" nodeType="tmRoot"/>
+        <p:cTn id="1" dur="indefinite" restart="never" nodeType="tmRoot"/>
       </p:par>
     </p:tnLst>
   </p:timing>
@@ -5375,7 +5599,7 @@
   <a:extraClrSchemeLst/>
   <a:extLst>
     <a:ext uri="{05A4C25C-085E-4340-85A3-A5531E510DB2}">
-      <thm15:themeFamily xmlns:thm15="http://schemas.microsoft.com/office/thememl/2012/main" xmlns="" name="Office Theme" id="{62F939B6-93AF-4DB8-9C6B-D6C7DFDC589F}" vid="{4A3C46E8-61CC-4603-A589-7422A47A8E4A}"/>
+      <thm15:themeFamily xmlns:thm15="http://schemas.microsoft.com/office/thememl/2012/main" name="Office Theme" id="{62F939B6-93AF-4DB8-9C6B-D6C7DFDC589F}" vid="{4A3C46E8-61CC-4603-A589-7422A47A8E4A}"/>
     </a:ext>
   </a:extLst>
 </a:theme>

--- a/fuentes/contenidos/grado10/guion02/CN_10_02_F.pptx
+++ b/fuentes/contenidos/grado10/guion02/CN_10_02_F.pptx
@@ -8,7 +8,7 @@
     <p:sldId id="256" r:id="rId2"/>
   </p:sldIdLst>
   <p:sldSz cx="9144000" cy="6858000" type="letter"/>
-  <p:notesSz cx="6858000" cy="9144000"/>
+  <p:notesSz cx="7315200" cy="9601200"/>
   <p:defaultTextStyle>
     <a:defPPr>
       <a:defRPr lang="es-ES"/>
@@ -155,13 +155,6 @@
   <p:clrMapOvr>
     <a:masterClrMapping/>
   </p:clrMapOvr>
-  <p:timing>
-    <p:tnLst>
-      <p:par>
-        <p:cTn id="1" dur="indefinite" restart="never" nodeType="tmRoot"/>
-      </p:par>
-    </p:tnLst>
-  </p:timing>
 </p:sldLayout>
 </file>
 
@@ -192,13 +185,6 @@
   <p:clrMapOvr>
     <a:masterClrMapping/>
   </p:clrMapOvr>
-  <p:timing>
-    <p:tnLst>
-      <p:par>
-        <p:cTn id="1" dur="indefinite" restart="never" nodeType="tmRoot"/>
-      </p:par>
-    </p:tnLst>
-  </p:timing>
 </p:sldLayout>
 </file>
 
@@ -229,13 +215,6 @@
   <p:clrMapOvr>
     <a:masterClrMapping/>
   </p:clrMapOvr>
-  <p:timing>
-    <p:tnLst>
-      <p:par>
-        <p:cTn id="1" dur="indefinite" restart="never" nodeType="tmRoot"/>
-      </p:par>
-    </p:tnLst>
-  </p:timing>
 </p:sldLayout>
 </file>
 
@@ -266,13 +245,6 @@
   <p:clrMapOvr>
     <a:masterClrMapping/>
   </p:clrMapOvr>
-  <p:timing>
-    <p:tnLst>
-      <p:par>
-        <p:cTn id="1" dur="indefinite" restart="never" nodeType="tmRoot"/>
-      </p:par>
-    </p:tnLst>
-  </p:timing>
 </p:sldLayout>
 </file>
 
@@ -303,13 +275,6 @@
   <p:clrMapOvr>
     <a:masterClrMapping/>
   </p:clrMapOvr>
-  <p:timing>
-    <p:tnLst>
-      <p:par>
-        <p:cTn id="1" dur="indefinite" restart="never" nodeType="tmRoot"/>
-      </p:par>
-    </p:tnLst>
-  </p:timing>
 </p:sldLayout>
 </file>
 
@@ -340,13 +305,6 @@
   <p:clrMapOvr>
     <a:masterClrMapping/>
   </p:clrMapOvr>
-  <p:timing>
-    <p:tnLst>
-      <p:par>
-        <p:cTn id="1" dur="indefinite" restart="never" nodeType="tmRoot"/>
-      </p:par>
-    </p:tnLst>
-  </p:timing>
 </p:sldLayout>
 </file>
 
@@ -377,13 +335,6 @@
   <p:clrMapOvr>
     <a:masterClrMapping/>
   </p:clrMapOvr>
-  <p:timing>
-    <p:tnLst>
-      <p:par>
-        <p:cTn id="1" dur="indefinite" restart="never" nodeType="tmRoot"/>
-      </p:par>
-    </p:tnLst>
-  </p:timing>
 </p:sldLayout>
 </file>
 
@@ -414,13 +365,6 @@
   <p:clrMapOvr>
     <a:masterClrMapping/>
   </p:clrMapOvr>
-  <p:timing>
-    <p:tnLst>
-      <p:par>
-        <p:cTn id="1" dur="indefinite" restart="never" nodeType="tmRoot"/>
-      </p:par>
-    </p:tnLst>
-  </p:timing>
 </p:sldLayout>
 </file>
 
@@ -466,7 +410,7 @@
           <a:p>
             <a:fld id="{5001C876-01F7-4317-94B9-1AE222133113}" type="datetimeFigureOut">
               <a:rPr lang="es-ES" smtClean="0"/>
-              <a:t>21/10/2015</a:t>
+              <a:t>07/05/2016</a:t>
             </a:fld>
             <a:endParaRPr lang="es-ES"/>
           </a:p>
@@ -540,13 +484,6 @@
   <p:clrMapOvr>
     <a:masterClrMapping/>
   </p:clrMapOvr>
-  <p:timing>
-    <p:tnLst>
-      <p:par>
-        <p:cTn id="1" dur="indefinite" restart="never" nodeType="tmRoot"/>
-      </p:par>
-    </p:tnLst>
-  </p:timing>
 </p:sldLayout>
 </file>
 
@@ -577,13 +514,6 @@
   <p:clrMapOvr>
     <a:masterClrMapping/>
   </p:clrMapOvr>
-  <p:timing>
-    <p:tnLst>
-      <p:par>
-        <p:cTn id="1" dur="indefinite" restart="never" nodeType="tmRoot"/>
-      </p:par>
-    </p:tnLst>
-  </p:timing>
 </p:sldLayout>
 </file>
 
@@ -614,13 +544,6 @@
   <p:clrMapOvr>
     <a:masterClrMapping/>
   </p:clrMapOvr>
-  <p:timing>
-    <p:tnLst>
-      <p:par>
-        <p:cTn id="1" dur="indefinite" restart="never" nodeType="tmRoot"/>
-      </p:par>
-    </p:tnLst>
-  </p:timing>
 </p:sldLayout>
 </file>
 
@@ -669,10 +592,9 @@
           <a:lstStyle/>
           <a:p>
             <a:r>
-              <a:rPr lang="es-ES" sz="1200" dirty="0" smtClean="0"/>
-              <a:t>© Editorial Planeta Colombiana S.A., 2015.</a:t>
-            </a:r>
-            <a:endParaRPr lang="es-ES" sz="1200" dirty="0"/>
+              <a:rPr lang="es-ES" sz="1200" dirty="0"/>
+              <a:t>© Editorial Planeta Colombiana S.A., 2016.</a:t>
+            </a:r>
           </a:p>
         </p:txBody>
       </p:sp>
@@ -727,13 +649,6 @@
     <p:sldLayoutId id="2147483670" r:id="rId10"/>
     <p:sldLayoutId id="2147483671" r:id="rId11"/>
   </p:sldLayoutIdLst>
-  <p:timing>
-    <p:tnLst>
-      <p:par>
-        <p:cTn id="1" dur="indefinite" restart="never" nodeType="tmRoot"/>
-      </p:par>
-    </p:tnLst>
-  </p:timing>
   <p:txStyles>
     <p:titleStyle>
       <a:lvl1pPr algn="l" defTabSz="914400" rtl="0" eaLnBrk="1" latinLnBrk="0" hangingPunct="1">
@@ -1077,10 +992,9 @@
           <a:p>
             <a:pPr algn="ctr"/>
             <a:r>
-              <a:rPr lang="es-ES" sz="1600" dirty="0" smtClean="0"/>
+              <a:rPr lang="es-ES" sz="1600" dirty="0"/>
               <a:t>Movimiento en una dimensión</a:t>
             </a:r>
-            <a:endParaRPr lang="es-ES" sz="1600" dirty="0"/>
           </a:p>
         </p:txBody>
       </p:sp>
@@ -1092,7 +1006,7 @@
         </p:nvSpPr>
         <p:spPr>
           <a:xfrm>
-            <a:off x="367789" y="726754"/>
+            <a:off x="449069" y="726754"/>
             <a:ext cx="1226915" cy="292388"/>
           </a:xfrm>
           <a:prstGeom prst="rect">
@@ -1118,10 +1032,9 @@
           <a:p>
             <a:pPr algn="ctr"/>
             <a:r>
-              <a:rPr lang="es-ES" sz="1300" b="1" dirty="0" smtClean="0"/>
+              <a:rPr lang="es-ES" sz="1300" b="1" dirty="0"/>
               <a:t>Características</a:t>
             </a:r>
-            <a:endParaRPr lang="es-ES" sz="1300" b="1" dirty="0"/>
           </a:p>
         </p:txBody>
       </p:sp>
@@ -1159,10 +1072,9 @@
           <a:p>
             <a:pPr algn="ctr"/>
             <a:r>
-              <a:rPr lang="es-ES" sz="1300" b="1" dirty="0" smtClean="0"/>
+              <a:rPr lang="es-ES" sz="1300" b="1" dirty="0"/>
               <a:t>Medidas</a:t>
             </a:r>
-            <a:endParaRPr lang="es-ES" sz="1300" b="1" dirty="0"/>
           </a:p>
         </p:txBody>
       </p:sp>
@@ -1200,10 +1112,9 @@
           <a:p>
             <a:pPr algn="ctr"/>
             <a:r>
-              <a:rPr lang="es-ES" sz="1300" b="1" dirty="0" smtClean="0"/>
+              <a:rPr lang="es-ES" sz="1300" b="1" dirty="0"/>
               <a:t>Análisis</a:t>
             </a:r>
-            <a:endParaRPr lang="es-ES" sz="1300" b="1" dirty="0"/>
           </a:p>
         </p:txBody>
       </p:sp>
@@ -1215,7 +1126,7 @@
         </p:nvSpPr>
         <p:spPr>
           <a:xfrm>
-            <a:off x="506683" y="1744885"/>
+            <a:off x="587963" y="1744885"/>
             <a:ext cx="949123" cy="246221"/>
           </a:xfrm>
           <a:prstGeom prst="rect">
@@ -1234,24 +1145,19 @@
         </p:spPr>
         <p:txBody>
           <a:bodyPr wrap="square" rtlCol="0">
-            <a:spAutoFit/>
-          </a:bodyPr>
-          <a:lstStyle/>
-          <a:p>
-            <a:pPr algn="ctr"/>
-            <a:r>
-              <a:rPr lang="es-ES" sz="1000" dirty="0" smtClean="0">
+            <a:noAutofit/>
+          </a:bodyPr>
+          <a:lstStyle/>
+          <a:p>
+            <a:pPr algn="ctr"/>
+            <a:r>
+              <a:rPr lang="es-ES" sz="1000" dirty="0">
                 <a:solidFill>
                   <a:schemeClr val="bg1"/>
                 </a:solidFill>
               </a:rPr>
               <a:t>trayectorias</a:t>
             </a:r>
-            <a:endParaRPr lang="es-ES" sz="1000" dirty="0">
-              <a:solidFill>
-                <a:schemeClr val="bg1"/>
-              </a:solidFill>
-            </a:endParaRPr>
           </a:p>
         </p:txBody>
       </p:sp>
@@ -1293,21 +1199,8 @@
                   <a:schemeClr val="bg1"/>
                 </a:solidFill>
               </a:rPr>
-              <a:t>e</a:t>
-            </a:r>
-            <a:r>
-              <a:rPr lang="es-ES" sz="1000" dirty="0" smtClean="0">
-                <a:solidFill>
-                  <a:schemeClr val="bg1"/>
-                </a:solidFill>
-              </a:rPr>
-              <a:t>scalares</a:t>
-            </a:r>
-            <a:endParaRPr lang="es-ES" sz="1000" dirty="0">
-              <a:solidFill>
-                <a:schemeClr val="bg1"/>
-              </a:solidFill>
-            </a:endParaRPr>
+              <a:t>escalares</a:t>
+            </a:r>
           </a:p>
         </p:txBody>
       </p:sp>
@@ -1349,34 +1242,64 @@
                   <a:schemeClr val="bg1"/>
                 </a:solidFill>
               </a:rPr>
-              <a:t>v</a:t>
-            </a:r>
-            <a:r>
-              <a:rPr lang="es-ES" sz="1000" dirty="0" smtClean="0">
+              <a:t>vectoriales</a:t>
+            </a:r>
+          </a:p>
+        </p:txBody>
+      </p:sp>
+      <p:sp>
+        <p:nvSpPr>
+          <p:cNvPr id="94" name="93 CuadroTexto"/>
+          <p:cNvSpPr txBox="1"/>
+          <p:nvPr/>
+        </p:nvSpPr>
+        <p:spPr>
+          <a:xfrm>
+            <a:off x="4998835" y="1588504"/>
+            <a:ext cx="949123" cy="553998"/>
+          </a:xfrm>
+          <a:prstGeom prst="rect">
+            <a:avLst/>
+          </a:prstGeom>
+          <a:solidFill>
+            <a:schemeClr val="bg2">
+              <a:lumMod val="50000"/>
+            </a:schemeClr>
+          </a:solidFill>
+          <a:ln>
+            <a:solidFill>
+              <a:schemeClr val="tx1"/>
+            </a:solidFill>
+          </a:ln>
+        </p:spPr>
+        <p:txBody>
+          <a:bodyPr wrap="square" rtlCol="0">
+            <a:spAutoFit/>
+          </a:bodyPr>
+          <a:lstStyle/>
+          <a:p>
+            <a:pPr algn="ctr"/>
+            <a:r>
+              <a:rPr lang="es-ES" sz="1000" dirty="0">
                 <a:solidFill>
                   <a:schemeClr val="bg1"/>
                 </a:solidFill>
               </a:rPr>
-              <a:t>ectoriales</a:t>
-            </a:r>
-            <a:endParaRPr lang="es-ES" sz="1000" dirty="0">
-              <a:solidFill>
-                <a:schemeClr val="bg1"/>
-              </a:solidFill>
-            </a:endParaRPr>
-          </a:p>
-        </p:txBody>
-      </p:sp>
-      <p:sp>
-        <p:nvSpPr>
-          <p:cNvPr id="94" name="93 CuadroTexto"/>
-          <p:cNvSpPr txBox="1"/>
-          <p:nvPr/>
-        </p:nvSpPr>
-        <p:spPr>
-          <a:xfrm>
-            <a:off x="4998835" y="1588504"/>
-            <a:ext cx="949123" cy="553998"/>
+              <a:t>movimiento rectilíneo uniforme MRU</a:t>
+            </a:r>
+          </a:p>
+        </p:txBody>
+      </p:sp>
+      <p:sp>
+        <p:nvSpPr>
+          <p:cNvPr id="95" name="94 CuadroTexto"/>
+          <p:cNvSpPr txBox="1"/>
+          <p:nvPr/>
+        </p:nvSpPr>
+        <p:spPr>
+          <a:xfrm>
+            <a:off x="7237758" y="1588504"/>
+            <a:ext cx="1095047" cy="707886"/>
           </a:xfrm>
           <a:prstGeom prst="rect">
             <a:avLst/>
@@ -1400,66 +1323,13 @@
           <a:p>
             <a:pPr algn="ctr"/>
             <a:r>
-              <a:rPr lang="es-ES" sz="1000" dirty="0" smtClean="0">
+              <a:rPr lang="es-ES" sz="1000" dirty="0">
                 <a:solidFill>
                   <a:schemeClr val="bg1"/>
                 </a:solidFill>
               </a:rPr>
-              <a:t>Movimiento rectilíneo uniforme MRU</a:t>
-            </a:r>
-            <a:endParaRPr lang="es-ES" sz="1000" dirty="0">
-              <a:solidFill>
-                <a:schemeClr val="bg1"/>
-              </a:solidFill>
-            </a:endParaRPr>
-          </a:p>
-        </p:txBody>
-      </p:sp>
-      <p:sp>
-        <p:nvSpPr>
-          <p:cNvPr id="95" name="94 CuadroTexto"/>
-          <p:cNvSpPr txBox="1"/>
-          <p:nvPr/>
-        </p:nvSpPr>
-        <p:spPr>
-          <a:xfrm>
-            <a:off x="7237758" y="1588504"/>
-            <a:ext cx="1095047" cy="707886"/>
-          </a:xfrm>
-          <a:prstGeom prst="rect">
-            <a:avLst/>
-          </a:prstGeom>
-          <a:solidFill>
-            <a:schemeClr val="bg2">
-              <a:lumMod val="50000"/>
-            </a:schemeClr>
-          </a:solidFill>
-          <a:ln>
-            <a:solidFill>
-              <a:schemeClr val="tx1"/>
-            </a:solidFill>
-          </a:ln>
-        </p:spPr>
-        <p:txBody>
-          <a:bodyPr wrap="square" rtlCol="0">
-            <a:spAutoFit/>
-          </a:bodyPr>
-          <a:lstStyle/>
-          <a:p>
-            <a:pPr algn="ctr"/>
-            <a:r>
-              <a:rPr lang="es-ES" sz="1000" dirty="0" smtClean="0">
-                <a:solidFill>
-                  <a:schemeClr val="bg1"/>
-                </a:solidFill>
-              </a:rPr>
-              <a:t>Movimiento rectilíneo uniformemente acelerado MRUA</a:t>
-            </a:r>
-            <a:endParaRPr lang="es-ES" sz="1000" dirty="0">
-              <a:solidFill>
-                <a:schemeClr val="bg1"/>
-              </a:solidFill>
-            </a:endParaRPr>
+              <a:t>movimiento rectilíneo uniformemente acelerado MRUA</a:t>
+            </a:r>
           </a:p>
         </p:txBody>
       </p:sp>
@@ -1471,7 +1341,7 @@
         </p:nvSpPr>
         <p:spPr>
           <a:xfrm>
-            <a:off x="506683" y="3078868"/>
+            <a:off x="587963" y="2867860"/>
             <a:ext cx="949123" cy="507831"/>
           </a:xfrm>
           <a:prstGeom prst="rect">
@@ -1497,31 +1367,22 @@
             <a:pPr algn="ctr"/>
             <a:r>
               <a:rPr lang="es-ES" sz="900" dirty="0"/>
-              <a:t>l</a:t>
-            </a:r>
-            <a:r>
-              <a:rPr lang="es-ES" sz="900" dirty="0" smtClean="0"/>
-              <a:t>ínea </a:t>
-            </a:r>
-            <a:r>
-              <a:rPr lang="es-ES" sz="900" dirty="0" smtClean="0"/>
-              <a:t>recta</a:t>
-            </a:r>
-          </a:p>
-          <a:p>
-            <a:pPr algn="ctr"/>
-            <a:r>
-              <a:rPr lang="es-ES" sz="900" dirty="0" smtClean="0"/>
+              <a:t>línea recta</a:t>
+            </a:r>
+          </a:p>
+          <a:p>
+            <a:pPr algn="ctr"/>
+            <a:r>
+              <a:rPr lang="es-ES" sz="900" dirty="0"/>
               <a:t>o</a:t>
             </a:r>
           </a:p>
           <a:p>
             <a:pPr algn="ctr"/>
             <a:r>
-              <a:rPr lang="es-ES" sz="900" dirty="0" smtClean="0"/>
+              <a:rPr lang="es-ES" sz="900" dirty="0"/>
               <a:t>curvilínea</a:t>
             </a:r>
-            <a:endParaRPr lang="es-ES" sz="900" dirty="0"/>
           </a:p>
         </p:txBody>
       </p:sp>
@@ -1533,7 +1394,7 @@
         </p:nvSpPr>
         <p:spPr>
           <a:xfrm>
-            <a:off x="1855611" y="3078868"/>
+            <a:off x="1855611" y="2867860"/>
             <a:ext cx="949123" cy="230832"/>
           </a:xfrm>
           <a:prstGeom prst="rect">
@@ -1558,10 +1419,9 @@
           <a:p>
             <a:pPr algn="ctr"/>
             <a:r>
-              <a:rPr lang="es-ES" sz="900" dirty="0" smtClean="0"/>
+              <a:rPr lang="es-ES" sz="900" dirty="0"/>
               <a:t>distancia</a:t>
             </a:r>
-            <a:endParaRPr lang="es-ES" sz="900" dirty="0"/>
           </a:p>
         </p:txBody>
       </p:sp>
@@ -1573,7 +1433,7 @@
         </p:nvSpPr>
         <p:spPr>
           <a:xfrm>
-            <a:off x="1855612" y="3386566"/>
+            <a:off x="1855612" y="3175558"/>
             <a:ext cx="949123" cy="230832"/>
           </a:xfrm>
           <a:prstGeom prst="rect">
@@ -1599,13 +1459,8 @@
             <a:pPr algn="ctr"/>
             <a:r>
               <a:rPr lang="es-ES" sz="900" dirty="0"/>
-              <a:t>r</a:t>
-            </a:r>
-            <a:r>
-              <a:rPr lang="es-ES" sz="900" dirty="0" smtClean="0"/>
-              <a:t>apidez</a:t>
-            </a:r>
-            <a:endParaRPr lang="es-ES" sz="900" dirty="0"/>
+              <a:t>rapidez</a:t>
+            </a:r>
           </a:p>
         </p:txBody>
       </p:sp>
@@ -1617,7 +1472,7 @@
         </p:nvSpPr>
         <p:spPr>
           <a:xfrm>
-            <a:off x="3271567" y="3078868"/>
+            <a:off x="3271567" y="2867860"/>
             <a:ext cx="949123" cy="230832"/>
           </a:xfrm>
           <a:prstGeom prst="rect">
@@ -1643,13 +1498,8 @@
             <a:pPr algn="ctr"/>
             <a:r>
               <a:rPr lang="es-ES" sz="900" dirty="0"/>
-              <a:t>d</a:t>
-            </a:r>
-            <a:r>
-              <a:rPr lang="es-ES" sz="900" dirty="0" smtClean="0"/>
-              <a:t>esplazamiento</a:t>
-            </a:r>
-            <a:endParaRPr lang="es-ES" sz="900" dirty="0"/>
+              <a:t>desplazamiento</a:t>
+            </a:r>
           </a:p>
         </p:txBody>
       </p:sp>
@@ -1661,7 +1511,7 @@
         </p:nvSpPr>
         <p:spPr>
           <a:xfrm>
-            <a:off x="3271568" y="3390443"/>
+            <a:off x="3271568" y="3179435"/>
             <a:ext cx="949123" cy="230832"/>
           </a:xfrm>
           <a:prstGeom prst="rect">
@@ -1687,13 +1537,8 @@
             <a:pPr algn="ctr"/>
             <a:r>
               <a:rPr lang="es-ES" sz="900" dirty="0"/>
-              <a:t>v</a:t>
-            </a:r>
-            <a:r>
-              <a:rPr lang="es-ES" sz="900" dirty="0" smtClean="0"/>
-              <a:t>elocidad</a:t>
-            </a:r>
-            <a:endParaRPr lang="es-ES" sz="900" dirty="0"/>
+              <a:t>velocidad</a:t>
+            </a:r>
           </a:p>
         </p:txBody>
       </p:sp>
@@ -1705,7 +1550,7 @@
         </p:nvSpPr>
         <p:spPr>
           <a:xfrm>
-            <a:off x="3271566" y="3742948"/>
+            <a:off x="3271566" y="3549908"/>
             <a:ext cx="949123" cy="230832"/>
           </a:xfrm>
           <a:prstGeom prst="rect">
@@ -1731,13 +1576,8 @@
             <a:pPr algn="ctr"/>
             <a:r>
               <a:rPr lang="es-ES" sz="900" dirty="0"/>
-              <a:t>a</a:t>
-            </a:r>
-            <a:r>
-              <a:rPr lang="es-ES" sz="900" dirty="0" smtClean="0"/>
-              <a:t>celeración</a:t>
-            </a:r>
-            <a:endParaRPr lang="es-ES" sz="900" dirty="0"/>
+              <a:t>aceleración</a:t>
+            </a:r>
           </a:p>
         </p:txBody>
       </p:sp>
@@ -1749,7 +1589,7 @@
         </p:nvSpPr>
         <p:spPr>
           <a:xfrm>
-            <a:off x="4382783" y="3078868"/>
+            <a:off x="4382783" y="2867860"/>
             <a:ext cx="949123" cy="230832"/>
           </a:xfrm>
           <a:prstGeom prst="rect">
@@ -1775,13 +1615,8 @@
             <a:pPr algn="ctr"/>
             <a:r>
               <a:rPr lang="es-ES" sz="900" dirty="0"/>
-              <a:t>t</a:t>
-            </a:r>
-            <a:r>
-              <a:rPr lang="es-ES" sz="900" dirty="0" smtClean="0"/>
-              <a:t>rayectoria</a:t>
-            </a:r>
-            <a:endParaRPr lang="es-ES" sz="900" dirty="0"/>
+              <a:t>trayectoria</a:t>
+            </a:r>
           </a:p>
         </p:txBody>
       </p:sp>
@@ -1793,7 +1628,7 @@
         </p:nvSpPr>
         <p:spPr>
           <a:xfrm>
-            <a:off x="5579681" y="3078868"/>
+            <a:off x="5579681" y="2867860"/>
             <a:ext cx="949123" cy="230832"/>
           </a:xfrm>
           <a:prstGeom prst="rect">
@@ -1818,10 +1653,9 @@
           <a:p>
             <a:pPr algn="ctr"/>
             <a:r>
-              <a:rPr lang="es-ES" sz="900" dirty="0" smtClean="0"/>
-              <a:t>Gráficos</a:t>
-            </a:r>
-            <a:endParaRPr lang="es-ES" sz="900" dirty="0"/>
+              <a:rPr lang="es-ES" sz="900" dirty="0"/>
+              <a:t>gráficos</a:t>
+            </a:r>
           </a:p>
         </p:txBody>
       </p:sp>
@@ -1833,7 +1667,7 @@
         </p:nvSpPr>
         <p:spPr>
           <a:xfrm>
-            <a:off x="6720349" y="3078868"/>
+            <a:off x="6720349" y="2867860"/>
             <a:ext cx="949123" cy="230832"/>
           </a:xfrm>
           <a:prstGeom prst="rect">
@@ -1858,10 +1692,9 @@
           <a:p>
             <a:pPr algn="ctr"/>
             <a:r>
-              <a:rPr lang="es-ES" sz="900" dirty="0" smtClean="0"/>
-              <a:t>Trayectoria</a:t>
-            </a:r>
-            <a:endParaRPr lang="es-ES" sz="900" dirty="0"/>
+              <a:rPr lang="es-ES" sz="900" dirty="0"/>
+              <a:t>trayectoria</a:t>
+            </a:r>
           </a:p>
         </p:txBody>
       </p:sp>
@@ -1873,7 +1706,7 @@
         </p:nvSpPr>
         <p:spPr>
           <a:xfrm>
-            <a:off x="7917247" y="3078868"/>
+            <a:off x="7917247" y="2867860"/>
             <a:ext cx="949123" cy="230832"/>
           </a:xfrm>
           <a:prstGeom prst="rect">
@@ -1898,10 +1731,9 @@
           <a:p>
             <a:pPr algn="ctr"/>
             <a:r>
-              <a:rPr lang="es-ES" sz="900" dirty="0" smtClean="0"/>
-              <a:t>Gráficos</a:t>
-            </a:r>
-            <a:endParaRPr lang="es-ES" sz="900" dirty="0"/>
+              <a:rPr lang="es-ES" sz="900" dirty="0"/>
+              <a:t>gráficos</a:t>
+            </a:r>
           </a:p>
         </p:txBody>
       </p:sp>
@@ -1913,7 +1745,7 @@
         </p:nvSpPr>
         <p:spPr>
           <a:xfrm>
-            <a:off x="4381518" y="3386566"/>
+            <a:off x="4381518" y="3175558"/>
             <a:ext cx="949123" cy="230832"/>
           </a:xfrm>
           <a:prstGeom prst="rect">
@@ -1939,13 +1771,8 @@
             <a:pPr algn="ctr"/>
             <a:r>
               <a:rPr lang="es-ES" sz="900" dirty="0"/>
-              <a:t>r</a:t>
-            </a:r>
-            <a:r>
-              <a:rPr lang="es-ES" sz="900" dirty="0" smtClean="0"/>
-              <a:t>ectilínea</a:t>
-            </a:r>
-            <a:endParaRPr lang="es-ES" sz="900" dirty="0"/>
+              <a:t>rectilínea</a:t>
+            </a:r>
           </a:p>
         </p:txBody>
       </p:sp>
@@ -1957,7 +1784,7 @@
         </p:nvSpPr>
         <p:spPr>
           <a:xfrm>
-            <a:off x="5524420" y="3395247"/>
+            <a:off x="5524420" y="3184239"/>
             <a:ext cx="1055408" cy="230832"/>
           </a:xfrm>
           <a:prstGeom prst="rect">
@@ -1982,10 +1809,9 @@
           <a:p>
             <a:pPr algn="ctr"/>
             <a:r>
-              <a:rPr lang="es-ES" sz="900" dirty="0" smtClean="0"/>
-              <a:t>Posición-Tiempo</a:t>
-            </a:r>
-            <a:endParaRPr lang="es-ES" sz="900" dirty="0"/>
+              <a:rPr lang="es-ES" sz="900" dirty="0"/>
+              <a:t>posición-tiempo</a:t>
+            </a:r>
           </a:p>
         </p:txBody>
       </p:sp>
@@ -1997,7 +1823,7 @@
         </p:nvSpPr>
         <p:spPr>
           <a:xfrm>
-            <a:off x="6718661" y="3387549"/>
+            <a:off x="6718661" y="3176541"/>
             <a:ext cx="949123" cy="230832"/>
           </a:xfrm>
           <a:prstGeom prst="rect">
@@ -2022,10 +1848,9 @@
           <a:p>
             <a:pPr algn="ctr"/>
             <a:r>
-              <a:rPr lang="es-ES" sz="900" dirty="0" smtClean="0"/>
-              <a:t>Rectilínea</a:t>
-            </a:r>
-            <a:endParaRPr lang="es-ES" sz="900" dirty="0"/>
+              <a:rPr lang="es-ES" sz="900" dirty="0"/>
+              <a:t>rectilínea</a:t>
+            </a:r>
           </a:p>
         </p:txBody>
       </p:sp>
@@ -2037,7 +1862,7 @@
         </p:nvSpPr>
         <p:spPr>
           <a:xfrm>
-            <a:off x="7864104" y="3387549"/>
+            <a:off x="7864104" y="3176541"/>
             <a:ext cx="1055408" cy="230832"/>
           </a:xfrm>
           <a:prstGeom prst="rect">
@@ -2062,10 +1887,9 @@
           <a:p>
             <a:pPr algn="ctr"/>
             <a:r>
-              <a:rPr lang="es-ES" sz="900" dirty="0" smtClean="0"/>
-              <a:t>Posición-Tiempo</a:t>
-            </a:r>
-            <a:endParaRPr lang="es-ES" sz="900" dirty="0"/>
+              <a:rPr lang="es-ES" sz="900" dirty="0"/>
+              <a:t>posición-tiempo</a:t>
+            </a:r>
           </a:p>
         </p:txBody>
       </p:sp>
@@ -2077,7 +1901,7 @@
         </p:nvSpPr>
         <p:spPr>
           <a:xfrm>
-            <a:off x="4388488" y="4115929"/>
+            <a:off x="4388488" y="3922889"/>
             <a:ext cx="949123" cy="369332"/>
           </a:xfrm>
           <a:prstGeom prst="rect">
@@ -2103,17 +1927,8 @@
             <a:pPr algn="ctr"/>
             <a:r>
               <a:rPr lang="es-ES" sz="900" dirty="0"/>
-              <a:t>v</a:t>
-            </a:r>
-            <a:r>
-              <a:rPr lang="es-ES" sz="900" dirty="0" smtClean="0"/>
-              <a:t>elocidad </a:t>
-            </a:r>
-            <a:r>
-              <a:rPr lang="es-ES" sz="900" dirty="0" smtClean="0"/>
-              <a:t>constante</a:t>
-            </a:r>
-            <a:endParaRPr lang="es-ES" sz="900" dirty="0"/>
+              <a:t>velocidad constante</a:t>
+            </a:r>
           </a:p>
         </p:txBody>
       </p:sp>
@@ -2125,7 +1940,7 @@
         </p:nvSpPr>
         <p:spPr>
           <a:xfrm>
-            <a:off x="4392929" y="4920504"/>
+            <a:off x="4392929" y="4727464"/>
             <a:ext cx="949123" cy="230832"/>
           </a:xfrm>
           <a:prstGeom prst="rect">
@@ -2147,17 +1962,8 @@
             <a:pPr algn="ctr"/>
             <a:r>
               <a:rPr lang="es-ES" sz="900" dirty="0"/>
-              <a:t>a</a:t>
-            </a:r>
-            <a:r>
-              <a:rPr lang="es-ES" sz="900" dirty="0" smtClean="0"/>
-              <a:t>celeración </a:t>
-            </a:r>
-            <a:r>
-              <a:rPr lang="es-ES" sz="900" dirty="0" smtClean="0"/>
-              <a:t>nula</a:t>
-            </a:r>
-            <a:endParaRPr lang="es-ES" sz="900" dirty="0"/>
+              <a:t>aceleración nula</a:t>
+            </a:r>
           </a:p>
         </p:txBody>
       </p:sp>
@@ -2169,8 +1975,8 @@
         </p:nvSpPr>
         <p:spPr>
           <a:xfrm>
-            <a:off x="5578534" y="4185179"/>
-            <a:ext cx="949123" cy="230832"/>
+            <a:off x="5578534" y="3921676"/>
+            <a:ext cx="949123" cy="371758"/>
           </a:xfrm>
           <a:prstGeom prst="rect">
             <a:avLst/>
@@ -2185,7 +1991,7 @@
           </a:ln>
         </p:spPr>
         <p:txBody>
-          <a:bodyPr wrap="square" rtlCol="0">
+          <a:bodyPr wrap="square" rtlCol="0" anchor="ctr" anchorCtr="0">
             <a:spAutoFit/>
           </a:bodyPr>
           <a:lstStyle/>
@@ -2193,17 +1999,8 @@
             <a:pPr algn="ctr"/>
             <a:r>
               <a:rPr lang="es-ES" sz="900" dirty="0"/>
-              <a:t>f</a:t>
-            </a:r>
-            <a:r>
-              <a:rPr lang="es-ES" sz="900" dirty="0" smtClean="0"/>
-              <a:t>unción </a:t>
-            </a:r>
-            <a:r>
-              <a:rPr lang="es-ES" sz="900" dirty="0" smtClean="0"/>
-              <a:t>lineal</a:t>
-            </a:r>
-            <a:endParaRPr lang="es-ES" sz="900" dirty="0"/>
+              <a:t>función lineal</a:t>
+            </a:r>
           </a:p>
         </p:txBody>
       </p:sp>
@@ -2215,7 +2012,7 @@
         </p:nvSpPr>
         <p:spPr>
           <a:xfrm>
-            <a:off x="5578533" y="4851254"/>
+            <a:off x="5578533" y="4658214"/>
             <a:ext cx="949123" cy="507831"/>
           </a:xfrm>
           <a:prstGeom prst="rect">
@@ -2237,17 +2034,8 @@
             <a:pPr algn="ctr"/>
             <a:r>
               <a:rPr lang="es-ES" sz="900" dirty="0"/>
-              <a:t>p</a:t>
-            </a:r>
-            <a:r>
-              <a:rPr lang="es-ES" sz="900" dirty="0" smtClean="0"/>
-              <a:t>endiente </a:t>
-            </a:r>
-            <a:r>
-              <a:rPr lang="es-ES" sz="900" dirty="0" smtClean="0"/>
-              <a:t>representa velocidad</a:t>
-            </a:r>
-            <a:endParaRPr lang="es-ES" sz="900" dirty="0"/>
+              <a:t>pendiente representa velocidad</a:t>
+            </a:r>
           </a:p>
         </p:txBody>
       </p:sp>
@@ -2259,7 +2047,7 @@
         </p:nvSpPr>
         <p:spPr>
           <a:xfrm>
-            <a:off x="506685" y="4115929"/>
+            <a:off x="587965" y="3922889"/>
             <a:ext cx="949123" cy="369332"/>
           </a:xfrm>
           <a:prstGeom prst="rect">
@@ -2285,21 +2073,8 @@
             <a:pPr algn="ctr"/>
             <a:r>
               <a:rPr lang="es-ES" sz="900" dirty="0"/>
-              <a:t>u</a:t>
-            </a:r>
-            <a:r>
-              <a:rPr lang="es-ES" sz="900" dirty="0" smtClean="0"/>
-              <a:t>n s</a:t>
-            </a:r>
-            <a:r>
-              <a:rPr lang="es-ES" sz="900" dirty="0" smtClean="0"/>
-              <a:t>istema </a:t>
-            </a:r>
-            <a:r>
-              <a:rPr lang="es-ES" sz="900" dirty="0" smtClean="0"/>
-              <a:t>de referencia fijo</a:t>
-            </a:r>
-            <a:endParaRPr lang="es-ES" sz="900" dirty="0"/>
+              <a:t>un sistema de referencia fijo</a:t>
+            </a:r>
           </a:p>
         </p:txBody>
       </p:sp>
@@ -2311,7 +2086,7 @@
         </p:nvSpPr>
         <p:spPr>
           <a:xfrm>
-            <a:off x="5479811" y="5475190"/>
+            <a:off x="5479811" y="5282150"/>
             <a:ext cx="1141817" cy="230832"/>
           </a:xfrm>
           <a:prstGeom prst="rect">
@@ -2333,21 +2108,8 @@
             <a:pPr algn="ctr"/>
             <a:r>
               <a:rPr lang="es-ES" sz="900" dirty="0"/>
-              <a:t>v</a:t>
-            </a:r>
-            <a:r>
-              <a:rPr lang="es-ES" sz="900" dirty="0" smtClean="0"/>
-              <a:t>elocidad </a:t>
-            </a:r>
-            <a:r>
-              <a:rPr lang="es-ES" sz="900" dirty="0" smtClean="0"/>
-              <a:t>– </a:t>
-            </a:r>
-            <a:r>
-              <a:rPr lang="es-ES" sz="900" dirty="0" smtClean="0"/>
-              <a:t>tiempo</a:t>
-            </a:r>
-            <a:endParaRPr lang="es-ES" sz="900" dirty="0"/>
+              <a:t>velocidad – tiempo</a:t>
+            </a:r>
           </a:p>
         </p:txBody>
       </p:sp>
@@ -2359,8 +2121,8 @@
         </p:nvSpPr>
         <p:spPr>
           <a:xfrm>
-            <a:off x="5515196" y="5774645"/>
-            <a:ext cx="1071053" cy="230832"/>
+            <a:off x="5479811" y="5581605"/>
+            <a:ext cx="1141817" cy="230832"/>
           </a:xfrm>
           <a:prstGeom prst="rect">
             <a:avLst/>
@@ -2374,41 +2136,137 @@
         </p:spPr>
         <p:txBody>
           <a:bodyPr wrap="square" rtlCol="0">
-            <a:spAutoFit/>
+            <a:noAutofit/>
           </a:bodyPr>
           <a:lstStyle/>
           <a:p>
             <a:pPr algn="ctr"/>
             <a:r>
               <a:rPr lang="es-ES" sz="900" dirty="0"/>
-              <a:t>r</a:t>
-            </a:r>
-            <a:r>
-              <a:rPr lang="es-ES" sz="900" dirty="0" smtClean="0"/>
-              <a:t>ecta </a:t>
-            </a:r>
+              <a:t>recta horizontal</a:t>
+            </a:r>
+          </a:p>
+        </p:txBody>
+      </p:sp>
+      <p:sp>
+        <p:nvSpPr>
+          <p:cNvPr id="130" name="129 CuadroTexto"/>
+          <p:cNvSpPr txBox="1"/>
+          <p:nvPr/>
+        </p:nvSpPr>
+        <p:spPr>
+          <a:xfrm>
+            <a:off x="5473396" y="6171352"/>
+            <a:ext cx="1148232" cy="507830"/>
+          </a:xfrm>
+          <a:prstGeom prst="rect">
+            <a:avLst/>
+          </a:prstGeom>
+          <a:noFill/>
+          <a:ln>
+            <a:solidFill>
+              <a:schemeClr val="tx1"/>
+            </a:solidFill>
+          </a:ln>
+        </p:spPr>
+        <p:txBody>
+          <a:bodyPr wrap="square" rtlCol="0" anchor="ctr" anchorCtr="0">
+            <a:noAutofit/>
+          </a:bodyPr>
+          <a:lstStyle/>
+          <a:p>
+            <a:pPr algn="ctr"/>
             <a:r>
               <a:rPr lang="es-ES" sz="900" dirty="0"/>
-              <a:t>h</a:t>
-            </a:r>
-            <a:r>
-              <a:rPr lang="es-ES" sz="900" dirty="0" smtClean="0"/>
-              <a:t>orizontal</a:t>
-            </a:r>
-            <a:endParaRPr lang="es-ES" sz="900" dirty="0"/>
-          </a:p>
-        </p:txBody>
-      </p:sp>
-      <p:sp>
-        <p:nvSpPr>
-          <p:cNvPr id="130" name="129 CuadroTexto"/>
-          <p:cNvSpPr txBox="1"/>
-          <p:nvPr/>
-        </p:nvSpPr>
-        <p:spPr>
-          <a:xfrm>
-            <a:off x="5515194" y="6429507"/>
-            <a:ext cx="1071053" cy="369332"/>
+              <a:t>área representa el desplazamiento</a:t>
+            </a:r>
+          </a:p>
+        </p:txBody>
+      </p:sp>
+      <p:sp>
+        <p:nvSpPr>
+          <p:cNvPr id="51" name="50 CuadroTexto"/>
+          <p:cNvSpPr txBox="1"/>
+          <p:nvPr/>
+        </p:nvSpPr>
+        <p:spPr>
+          <a:xfrm>
+            <a:off x="6716259" y="3922889"/>
+            <a:ext cx="949123" cy="369332"/>
+          </a:xfrm>
+          <a:prstGeom prst="rect">
+            <a:avLst/>
+          </a:prstGeom>
+          <a:solidFill>
+            <a:srgbClr val="BFBFBF"/>
+          </a:solidFill>
+          <a:ln>
+            <a:solidFill>
+              <a:schemeClr val="tx1"/>
+            </a:solidFill>
+          </a:ln>
+        </p:spPr>
+        <p:txBody>
+          <a:bodyPr wrap="square" rtlCol="0">
+            <a:spAutoFit/>
+          </a:bodyPr>
+          <a:lstStyle/>
+          <a:p>
+            <a:pPr algn="ctr"/>
+            <a:r>
+              <a:rPr lang="es-ES" sz="900" dirty="0"/>
+              <a:t>aceleración constante</a:t>
+            </a:r>
+          </a:p>
+        </p:txBody>
+      </p:sp>
+      <p:sp>
+        <p:nvSpPr>
+          <p:cNvPr id="54" name="53 CuadroTexto"/>
+          <p:cNvSpPr txBox="1"/>
+          <p:nvPr/>
+        </p:nvSpPr>
+        <p:spPr>
+          <a:xfrm>
+            <a:off x="7913698" y="3918987"/>
+            <a:ext cx="949123" cy="369332"/>
+          </a:xfrm>
+          <a:prstGeom prst="rect">
+            <a:avLst/>
+          </a:prstGeom>
+          <a:solidFill>
+            <a:srgbClr val="BFBFBF"/>
+          </a:solidFill>
+          <a:ln>
+            <a:solidFill>
+              <a:schemeClr val="tx1"/>
+            </a:solidFill>
+          </a:ln>
+        </p:spPr>
+        <p:txBody>
+          <a:bodyPr wrap="square" rtlCol="0">
+            <a:spAutoFit/>
+          </a:bodyPr>
+          <a:lstStyle/>
+          <a:p>
+            <a:pPr algn="ctr"/>
+            <a:r>
+              <a:rPr lang="es-ES" sz="900" dirty="0"/>
+              <a:t>función cuadrática</a:t>
+            </a:r>
+          </a:p>
+        </p:txBody>
+      </p:sp>
+      <p:sp>
+        <p:nvSpPr>
+          <p:cNvPr id="56" name="55 CuadroTexto"/>
+          <p:cNvSpPr txBox="1"/>
+          <p:nvPr/>
+        </p:nvSpPr>
+        <p:spPr>
+          <a:xfrm>
+            <a:off x="7817350" y="4509841"/>
+            <a:ext cx="1141817" cy="230832"/>
           </a:xfrm>
           <a:prstGeom prst="rect">
             <a:avLst/>
@@ -2428,80 +2286,202 @@
           <a:p>
             <a:pPr algn="ctr"/>
             <a:r>
-              <a:rPr lang="es-ES" sz="900" dirty="0" smtClean="0"/>
-              <a:t>área </a:t>
-            </a:r>
-            <a:r>
-              <a:rPr lang="es-ES" sz="900" dirty="0" smtClean="0"/>
-              <a:t>representa el desplazamiento</a:t>
-            </a:r>
-            <a:endParaRPr lang="es-ES" sz="900" dirty="0"/>
-          </a:p>
-        </p:txBody>
-      </p:sp>
-      <p:sp>
-        <p:nvSpPr>
-          <p:cNvPr id="51" name="50 CuadroTexto"/>
-          <p:cNvSpPr txBox="1"/>
-          <p:nvPr/>
-        </p:nvSpPr>
-        <p:spPr>
-          <a:xfrm>
-            <a:off x="6716259" y="4115929"/>
+              <a:rPr lang="es-ES" sz="900" dirty="0"/>
+              <a:t>velocidad - tiempo</a:t>
+            </a:r>
+          </a:p>
+        </p:txBody>
+      </p:sp>
+      <p:sp>
+        <p:nvSpPr>
+          <p:cNvPr id="57" name="56 CuadroTexto"/>
+          <p:cNvSpPr txBox="1"/>
+          <p:nvPr/>
+        </p:nvSpPr>
+        <p:spPr>
+          <a:xfrm>
+            <a:off x="7856280" y="5028235"/>
+            <a:ext cx="1071053" cy="507831"/>
+          </a:xfrm>
+          <a:prstGeom prst="rect">
+            <a:avLst/>
+          </a:prstGeom>
+          <a:noFill/>
+          <a:ln>
+            <a:solidFill>
+              <a:schemeClr val="tx1"/>
+            </a:solidFill>
+          </a:ln>
+        </p:spPr>
+        <p:txBody>
+          <a:bodyPr wrap="square" rtlCol="0">
+            <a:spAutoFit/>
+          </a:bodyPr>
+          <a:lstStyle/>
+          <a:p>
+            <a:pPr algn="ctr"/>
+            <a:r>
+              <a:rPr lang="es-ES" sz="900" dirty="0"/>
+              <a:t>pendiente representa aceleración</a:t>
+            </a:r>
+          </a:p>
+        </p:txBody>
+      </p:sp>
+      <p:sp>
+        <p:nvSpPr>
+          <p:cNvPr id="58" name="57 CuadroTexto"/>
+          <p:cNvSpPr txBox="1"/>
+          <p:nvPr/>
+        </p:nvSpPr>
+        <p:spPr>
+          <a:xfrm>
+            <a:off x="7864372" y="5861586"/>
+            <a:ext cx="1071053" cy="784830"/>
+          </a:xfrm>
+          <a:prstGeom prst="rect">
+            <a:avLst/>
+          </a:prstGeom>
+          <a:noFill/>
+          <a:ln>
+            <a:solidFill>
+              <a:schemeClr val="tx1"/>
+            </a:solidFill>
+          </a:ln>
+        </p:spPr>
+        <p:txBody>
+          <a:bodyPr wrap="square" rtlCol="0">
+            <a:spAutoFit/>
+          </a:bodyPr>
+          <a:lstStyle/>
+          <a:p>
+            <a:pPr algn="ctr"/>
+            <a:r>
+              <a:rPr lang="es-ES" sz="900" dirty="0"/>
+              <a:t>área bajo la «curva» representa el cambio de velocidad</a:t>
+            </a:r>
+          </a:p>
+        </p:txBody>
+      </p:sp>
+      <p:sp>
+        <p:nvSpPr>
+          <p:cNvPr id="59" name="58 CuadroTexto"/>
+          <p:cNvSpPr txBox="1"/>
+          <p:nvPr/>
+        </p:nvSpPr>
+        <p:spPr>
+          <a:xfrm>
+            <a:off x="3271568" y="3925578"/>
+            <a:ext cx="949123" cy="371758"/>
+          </a:xfrm>
+          <a:prstGeom prst="rect">
+            <a:avLst/>
+          </a:prstGeom>
+          <a:noFill/>
+          <a:ln>
+            <a:solidFill>
+              <a:schemeClr val="tx1"/>
+            </a:solidFill>
+          </a:ln>
+        </p:spPr>
+        <p:txBody>
+          <a:bodyPr wrap="square" rtlCol="0" anchor="ctr" anchorCtr="0">
+            <a:spAutoFit/>
+          </a:bodyPr>
+          <a:lstStyle/>
+          <a:p>
+            <a:pPr algn="ctr"/>
+            <a:r>
+              <a:rPr lang="es-ES" sz="900" dirty="0"/>
+              <a:t>en el vacío</a:t>
+            </a:r>
+          </a:p>
+        </p:txBody>
+      </p:sp>
+      <p:sp>
+        <p:nvSpPr>
+          <p:cNvPr id="63" name="62 CuadroTexto"/>
+          <p:cNvSpPr txBox="1"/>
+          <p:nvPr/>
+        </p:nvSpPr>
+        <p:spPr>
+          <a:xfrm>
+            <a:off x="3272786" y="4762544"/>
+            <a:ext cx="949123" cy="507831"/>
+          </a:xfrm>
+          <a:prstGeom prst="rect">
+            <a:avLst/>
+          </a:prstGeom>
+          <a:noFill/>
+          <a:ln>
+            <a:solidFill>
+              <a:schemeClr val="tx1"/>
+            </a:solidFill>
+          </a:ln>
+        </p:spPr>
+        <p:txBody>
+          <a:bodyPr wrap="square" rtlCol="0">
+            <a:spAutoFit/>
+          </a:bodyPr>
+          <a:lstStyle/>
+          <a:p>
+            <a:pPr algn="ctr"/>
+            <a:r>
+              <a:rPr lang="es-ES" sz="900" dirty="0"/>
+              <a:t>casos debidos a la aceleración de la gravedad</a:t>
+            </a:r>
+          </a:p>
+        </p:txBody>
+      </p:sp>
+      <p:sp>
+        <p:nvSpPr>
+          <p:cNvPr id="64" name="63 CuadroTexto"/>
+          <p:cNvSpPr txBox="1"/>
+          <p:nvPr/>
+        </p:nvSpPr>
+        <p:spPr>
+          <a:xfrm>
+            <a:off x="2578547" y="5455040"/>
             <a:ext cx="949123" cy="369332"/>
           </a:xfrm>
           <a:prstGeom prst="rect">
             <a:avLst/>
           </a:prstGeom>
-          <a:solidFill>
-            <a:srgbClr val="BFBFBF"/>
-          </a:solidFill>
-          <a:ln>
-            <a:solidFill>
-              <a:schemeClr val="tx1"/>
-            </a:solidFill>
-          </a:ln>
-        </p:spPr>
-        <p:txBody>
-          <a:bodyPr wrap="square" rtlCol="0">
-            <a:spAutoFit/>
+          <a:noFill/>
+          <a:ln>
+            <a:solidFill>
+              <a:schemeClr val="tx1"/>
+            </a:solidFill>
+          </a:ln>
+        </p:spPr>
+        <p:txBody>
+          <a:bodyPr wrap="square" rtlCol="0" anchor="ctr" anchorCtr="0">
+            <a:noAutofit/>
           </a:bodyPr>
           <a:lstStyle/>
           <a:p>
             <a:pPr algn="ctr"/>
             <a:r>
               <a:rPr lang="es-ES" sz="900" dirty="0"/>
-              <a:t>a</a:t>
-            </a:r>
-            <a:r>
-              <a:rPr lang="es-ES" sz="900" dirty="0" smtClean="0"/>
-              <a:t>celeración </a:t>
-            </a:r>
-            <a:r>
-              <a:rPr lang="es-ES" sz="900" dirty="0" smtClean="0"/>
-              <a:t>constante</a:t>
-            </a:r>
-            <a:endParaRPr lang="es-ES" sz="900" dirty="0"/>
-          </a:p>
-        </p:txBody>
-      </p:sp>
-      <p:sp>
-        <p:nvSpPr>
-          <p:cNvPr id="54" name="53 CuadroTexto"/>
-          <p:cNvSpPr txBox="1"/>
-          <p:nvPr/>
-        </p:nvSpPr>
-        <p:spPr>
-          <a:xfrm>
-            <a:off x="7913698" y="4185179"/>
+              <a:t>caída libre</a:t>
+            </a:r>
+          </a:p>
+        </p:txBody>
+      </p:sp>
+      <p:sp>
+        <p:nvSpPr>
+          <p:cNvPr id="65" name="64 CuadroTexto"/>
+          <p:cNvSpPr txBox="1"/>
+          <p:nvPr/>
+        </p:nvSpPr>
+        <p:spPr>
+          <a:xfrm>
+            <a:off x="4023159" y="5455041"/>
             <a:ext cx="949123" cy="369332"/>
           </a:xfrm>
           <a:prstGeom prst="rect">
             <a:avLst/>
           </a:prstGeom>
-          <a:solidFill>
-            <a:srgbClr val="BFBFBF"/>
-          </a:solidFill>
+          <a:noFill/>
           <a:ln>
             <a:solidFill>
               <a:schemeClr val="tx1"/>
@@ -2517,30 +2497,21 @@
             <a:pPr algn="ctr"/>
             <a:r>
               <a:rPr lang="es-ES" sz="900" dirty="0"/>
-              <a:t>f</a:t>
-            </a:r>
-            <a:r>
-              <a:rPr lang="es-ES" sz="900" dirty="0" smtClean="0"/>
-              <a:t>unción </a:t>
-            </a:r>
-            <a:r>
-              <a:rPr lang="es-ES" sz="900" dirty="0" smtClean="0"/>
-              <a:t>cuadrática</a:t>
-            </a:r>
-            <a:endParaRPr lang="es-ES" sz="900" dirty="0"/>
-          </a:p>
-        </p:txBody>
-      </p:sp>
-      <p:sp>
-        <p:nvSpPr>
-          <p:cNvPr id="56" name="55 CuadroTexto"/>
-          <p:cNvSpPr txBox="1"/>
-          <p:nvPr/>
-        </p:nvSpPr>
-        <p:spPr>
-          <a:xfrm>
-            <a:off x="7817350" y="4702881"/>
-            <a:ext cx="1141817" cy="230832"/>
+              <a:t>lanzamiento vertical</a:t>
+            </a:r>
+          </a:p>
+        </p:txBody>
+      </p:sp>
+      <p:sp>
+        <p:nvSpPr>
+          <p:cNvPr id="66" name="65 CuadroTexto"/>
+          <p:cNvSpPr txBox="1"/>
+          <p:nvPr/>
+        </p:nvSpPr>
+        <p:spPr>
+          <a:xfrm>
+            <a:off x="2576781" y="6155442"/>
+            <a:ext cx="949123" cy="507831"/>
           </a:xfrm>
           <a:prstGeom prst="rect">
             <a:avLst/>
@@ -2561,34 +2532,21 @@
             <a:pPr algn="ctr"/>
             <a:r>
               <a:rPr lang="es-ES" sz="900" dirty="0"/>
-              <a:t>v</a:t>
-            </a:r>
-            <a:r>
-              <a:rPr lang="es-ES" sz="900" dirty="0" smtClean="0"/>
-              <a:t>elocidad </a:t>
-            </a:r>
-            <a:r>
-              <a:rPr lang="es-ES" sz="900" dirty="0" smtClean="0"/>
-              <a:t>- </a:t>
-            </a:r>
-            <a:r>
-              <a:rPr lang="es-ES" sz="900" dirty="0" smtClean="0"/>
-              <a:t>tiempo</a:t>
-            </a:r>
-            <a:endParaRPr lang="es-ES" sz="900" dirty="0"/>
-          </a:p>
-        </p:txBody>
-      </p:sp>
-      <p:sp>
-        <p:nvSpPr>
-          <p:cNvPr id="57" name="56 CuadroTexto"/>
-          <p:cNvSpPr txBox="1"/>
-          <p:nvPr/>
-        </p:nvSpPr>
-        <p:spPr>
-          <a:xfrm>
-            <a:off x="7856280" y="5221275"/>
-            <a:ext cx="1071053" cy="507831"/>
+              <a:t>un cuerpo que desacelera mientras sube</a:t>
+            </a:r>
+          </a:p>
+        </p:txBody>
+      </p:sp>
+      <p:sp>
+        <p:nvSpPr>
+          <p:cNvPr id="67" name="66 CuadroTexto"/>
+          <p:cNvSpPr txBox="1"/>
+          <p:nvPr/>
+        </p:nvSpPr>
+        <p:spPr>
+          <a:xfrm>
+            <a:off x="4042413" y="6171351"/>
+            <a:ext cx="949123" cy="507831"/>
           </a:xfrm>
           <a:prstGeom prst="rect">
             <a:avLst/>
@@ -2609,325 +2567,8 @@
             <a:pPr algn="ctr"/>
             <a:r>
               <a:rPr lang="es-ES" sz="900" dirty="0"/>
-              <a:t>p</a:t>
-            </a:r>
-            <a:r>
-              <a:rPr lang="es-ES" sz="900" dirty="0" smtClean="0"/>
-              <a:t>endiente </a:t>
-            </a:r>
-            <a:r>
-              <a:rPr lang="es-ES" sz="900" dirty="0" smtClean="0"/>
-              <a:t>representa aceleración</a:t>
-            </a:r>
-            <a:endParaRPr lang="es-ES" sz="900" dirty="0"/>
-          </a:p>
-        </p:txBody>
-      </p:sp>
-      <p:sp>
-        <p:nvSpPr>
-          <p:cNvPr id="58" name="57 CuadroTexto"/>
-          <p:cNvSpPr txBox="1"/>
-          <p:nvPr/>
-        </p:nvSpPr>
-        <p:spPr>
-          <a:xfrm>
-            <a:off x="7864372" y="6054626"/>
-            <a:ext cx="1071053" cy="784830"/>
-          </a:xfrm>
-          <a:prstGeom prst="rect">
-            <a:avLst/>
-          </a:prstGeom>
-          <a:noFill/>
-          <a:ln>
-            <a:solidFill>
-              <a:schemeClr val="tx1"/>
-            </a:solidFill>
-          </a:ln>
-        </p:spPr>
-        <p:txBody>
-          <a:bodyPr wrap="square" rtlCol="0">
-            <a:spAutoFit/>
-          </a:bodyPr>
-          <a:lstStyle/>
-          <a:p>
-            <a:pPr algn="ctr"/>
-            <a:r>
-              <a:rPr lang="es-ES" sz="900" dirty="0" smtClean="0"/>
-              <a:t>área </a:t>
-            </a:r>
-            <a:r>
-              <a:rPr lang="es-ES" sz="900" dirty="0" smtClean="0"/>
-              <a:t>bajo la «curva» representa el cambio de velocidad</a:t>
-            </a:r>
-            <a:endParaRPr lang="es-ES" sz="900" dirty="0"/>
-          </a:p>
-        </p:txBody>
-      </p:sp>
-      <p:sp>
-        <p:nvSpPr>
-          <p:cNvPr id="59" name="58 CuadroTexto"/>
-          <p:cNvSpPr txBox="1"/>
-          <p:nvPr/>
-        </p:nvSpPr>
-        <p:spPr>
-          <a:xfrm>
-            <a:off x="3271568" y="4115929"/>
-            <a:ext cx="949123" cy="230832"/>
-          </a:xfrm>
-          <a:prstGeom prst="rect">
-            <a:avLst/>
-          </a:prstGeom>
-          <a:noFill/>
-          <a:ln>
-            <a:solidFill>
-              <a:schemeClr val="tx1"/>
-            </a:solidFill>
-          </a:ln>
-        </p:spPr>
-        <p:txBody>
-          <a:bodyPr wrap="square" rtlCol="0">
-            <a:spAutoFit/>
-          </a:bodyPr>
-          <a:lstStyle/>
-          <a:p>
-            <a:pPr algn="ctr"/>
-            <a:r>
-              <a:rPr lang="es-ES" sz="900" dirty="0"/>
-              <a:t>e</a:t>
-            </a:r>
-            <a:r>
-              <a:rPr lang="es-ES" sz="900" dirty="0" smtClean="0"/>
-              <a:t>n </a:t>
-            </a:r>
-            <a:r>
-              <a:rPr lang="es-ES" sz="900" dirty="0" smtClean="0"/>
-              <a:t>el vacío</a:t>
-            </a:r>
-            <a:endParaRPr lang="es-ES" sz="900" dirty="0"/>
-          </a:p>
-        </p:txBody>
-      </p:sp>
-      <p:sp>
-        <p:nvSpPr>
-          <p:cNvPr id="63" name="62 CuadroTexto"/>
-          <p:cNvSpPr txBox="1"/>
-          <p:nvPr/>
-        </p:nvSpPr>
-        <p:spPr>
-          <a:xfrm>
-            <a:off x="3272786" y="4955584"/>
-            <a:ext cx="949123" cy="507831"/>
-          </a:xfrm>
-          <a:prstGeom prst="rect">
-            <a:avLst/>
-          </a:prstGeom>
-          <a:noFill/>
-          <a:ln>
-            <a:solidFill>
-              <a:schemeClr val="tx1"/>
-            </a:solidFill>
-          </a:ln>
-        </p:spPr>
-        <p:txBody>
-          <a:bodyPr wrap="square" rtlCol="0">
-            <a:spAutoFit/>
-          </a:bodyPr>
-          <a:lstStyle/>
-          <a:p>
-            <a:pPr algn="ctr"/>
-            <a:r>
-              <a:rPr lang="es-ES" sz="900" dirty="0"/>
-              <a:t>c</a:t>
-            </a:r>
-            <a:r>
-              <a:rPr lang="es-ES" sz="900" dirty="0" smtClean="0"/>
-              <a:t>asos </a:t>
-            </a:r>
-            <a:r>
-              <a:rPr lang="es-ES" sz="900" dirty="0" smtClean="0"/>
-              <a:t>debidos a la aceleración de la gravedad</a:t>
-            </a:r>
-            <a:endParaRPr lang="es-ES" sz="900" dirty="0"/>
-          </a:p>
-        </p:txBody>
-      </p:sp>
-      <p:sp>
-        <p:nvSpPr>
-          <p:cNvPr id="64" name="63 CuadroTexto"/>
-          <p:cNvSpPr txBox="1"/>
-          <p:nvPr/>
-        </p:nvSpPr>
-        <p:spPr>
-          <a:xfrm>
-            <a:off x="2578547" y="5631319"/>
-            <a:ext cx="949123" cy="230832"/>
-          </a:xfrm>
-          <a:prstGeom prst="rect">
-            <a:avLst/>
-          </a:prstGeom>
-          <a:noFill/>
-          <a:ln>
-            <a:solidFill>
-              <a:schemeClr val="tx1"/>
-            </a:solidFill>
-          </a:ln>
-        </p:spPr>
-        <p:txBody>
-          <a:bodyPr wrap="square" rtlCol="0">
-            <a:spAutoFit/>
-          </a:bodyPr>
-          <a:lstStyle/>
-          <a:p>
-            <a:pPr algn="ctr"/>
-            <a:r>
-              <a:rPr lang="es-ES" sz="900" dirty="0"/>
-              <a:t>c</a:t>
-            </a:r>
-            <a:r>
-              <a:rPr lang="es-ES" sz="900" dirty="0" smtClean="0"/>
-              <a:t>aída </a:t>
-            </a:r>
-            <a:r>
-              <a:rPr lang="es-ES" sz="900" dirty="0" smtClean="0"/>
-              <a:t>libre</a:t>
-            </a:r>
-            <a:endParaRPr lang="es-ES" sz="900" dirty="0"/>
-          </a:p>
-        </p:txBody>
-      </p:sp>
-      <p:sp>
-        <p:nvSpPr>
-          <p:cNvPr id="65" name="64 CuadroTexto"/>
-          <p:cNvSpPr txBox="1"/>
-          <p:nvPr/>
-        </p:nvSpPr>
-        <p:spPr>
-          <a:xfrm>
-            <a:off x="4023159" y="5648081"/>
-            <a:ext cx="949123" cy="369332"/>
-          </a:xfrm>
-          <a:prstGeom prst="rect">
-            <a:avLst/>
-          </a:prstGeom>
-          <a:noFill/>
-          <a:ln>
-            <a:solidFill>
-              <a:schemeClr val="tx1"/>
-            </a:solidFill>
-          </a:ln>
-        </p:spPr>
-        <p:txBody>
-          <a:bodyPr wrap="square" rtlCol="0">
-            <a:spAutoFit/>
-          </a:bodyPr>
-          <a:lstStyle/>
-          <a:p>
-            <a:pPr algn="ctr"/>
-            <a:r>
-              <a:rPr lang="es-ES" sz="900" dirty="0"/>
-              <a:t>l</a:t>
-            </a:r>
-            <a:r>
-              <a:rPr lang="es-ES" sz="900" dirty="0" smtClean="0"/>
-              <a:t>anzamiento </a:t>
-            </a:r>
-            <a:r>
-              <a:rPr lang="es-ES" sz="900" dirty="0" smtClean="0"/>
-              <a:t>vertical</a:t>
-            </a:r>
-            <a:endParaRPr lang="es-ES" sz="900" dirty="0"/>
-          </a:p>
-        </p:txBody>
-      </p:sp>
-      <p:sp>
-        <p:nvSpPr>
-          <p:cNvPr id="66" name="65 CuadroTexto"/>
-          <p:cNvSpPr txBox="1"/>
-          <p:nvPr/>
-        </p:nvSpPr>
-        <p:spPr>
-          <a:xfrm>
-            <a:off x="2603451" y="6348482"/>
-            <a:ext cx="949123" cy="507831"/>
-          </a:xfrm>
-          <a:prstGeom prst="rect">
-            <a:avLst/>
-          </a:prstGeom>
-          <a:noFill/>
-          <a:ln>
-            <a:solidFill>
-              <a:schemeClr val="tx1"/>
-            </a:solidFill>
-          </a:ln>
-        </p:spPr>
-        <p:txBody>
-          <a:bodyPr wrap="square" rtlCol="0">
-            <a:spAutoFit/>
-          </a:bodyPr>
-          <a:lstStyle/>
-          <a:p>
-            <a:pPr algn="ctr"/>
-            <a:r>
-              <a:rPr lang="es-ES" sz="900" dirty="0"/>
-              <a:t>u</a:t>
-            </a:r>
-            <a:r>
-              <a:rPr lang="es-ES" sz="900" dirty="0" smtClean="0"/>
-              <a:t>n c</a:t>
-            </a:r>
-            <a:r>
-              <a:rPr lang="es-ES" sz="900" dirty="0" smtClean="0"/>
-              <a:t>uerpo </a:t>
-            </a:r>
-            <a:r>
-              <a:rPr lang="es-ES" sz="900" dirty="0" smtClean="0"/>
-              <a:t>que desacelera mientras sube</a:t>
-            </a:r>
-            <a:endParaRPr lang="es-ES" sz="900" dirty="0"/>
-          </a:p>
-        </p:txBody>
-      </p:sp>
-      <p:sp>
-        <p:nvSpPr>
-          <p:cNvPr id="67" name="66 CuadroTexto"/>
-          <p:cNvSpPr txBox="1"/>
-          <p:nvPr/>
-        </p:nvSpPr>
-        <p:spPr>
-          <a:xfrm>
-            <a:off x="4042413" y="6417731"/>
-            <a:ext cx="949123" cy="507831"/>
-          </a:xfrm>
-          <a:prstGeom prst="rect">
-            <a:avLst/>
-          </a:prstGeom>
-          <a:noFill/>
-          <a:ln>
-            <a:solidFill>
-              <a:schemeClr val="tx1"/>
-            </a:solidFill>
-          </a:ln>
-        </p:spPr>
-        <p:txBody>
-          <a:bodyPr wrap="square" rtlCol="0">
-            <a:spAutoFit/>
-          </a:bodyPr>
-          <a:lstStyle/>
-          <a:p>
-            <a:pPr algn="ctr"/>
-            <a:r>
-              <a:rPr lang="es-ES" sz="900" dirty="0" smtClean="0"/>
-              <a:t>un c</a:t>
-            </a:r>
-            <a:r>
-              <a:rPr lang="es-ES" sz="900" dirty="0" smtClean="0"/>
-              <a:t>uerpo </a:t>
-            </a:r>
-            <a:r>
-              <a:rPr lang="es-ES" sz="900" dirty="0" smtClean="0"/>
-              <a:t>acelera mientras cae</a:t>
-            </a:r>
-            <a:endParaRPr lang="es-ES" sz="900" dirty="0"/>
+              <a:t>un cuerpo acelera mientras cae</a:t>
+            </a:r>
           </a:p>
         </p:txBody>
       </p:sp>
@@ -2942,8 +2583,8 @@
         </p:nvCxnSpPr>
         <p:spPr>
           <a:xfrm rot="5400000">
-            <a:off x="2666852" y="-1156968"/>
-            <a:ext cx="198118" cy="3569327"/>
+            <a:off x="2707492" y="-1116328"/>
+            <a:ext cx="198118" cy="3488047"/>
           </a:xfrm>
           <a:prstGeom prst="bentConnector3">
             <a:avLst/>
@@ -3056,7 +2697,7 @@
         </p:nvCxnSpPr>
         <p:spPr>
           <a:xfrm rot="5400000">
-            <a:off x="618375" y="1382012"/>
+            <a:off x="699655" y="1382012"/>
             <a:ext cx="725743" cy="2"/>
           </a:xfrm>
           <a:prstGeom prst="bentConnector3">
@@ -3088,14 +2729,14 @@
           <p:cNvPr id="14" name="13 Conector angular"/>
           <p:cNvCxnSpPr>
             <a:stCxn id="22" idx="2"/>
-            <a:endCxn id="24" idx="0"/>
+            <a:endCxn id="72" idx="0"/>
           </p:cNvCxnSpPr>
           <p:nvPr/>
         </p:nvCxnSpPr>
         <p:spPr>
-          <a:xfrm rot="5400000">
-            <a:off x="437364" y="2534987"/>
-            <a:ext cx="1087762" cy="12700"/>
+          <a:xfrm rot="16200000" flipH="1">
+            <a:off x="805465" y="2248166"/>
+            <a:ext cx="514123" cy="2"/>
           </a:xfrm>
           <a:prstGeom prst="bentConnector3">
             <a:avLst/>
@@ -3125,17 +2766,17 @@
         <p:nvCxnSpPr>
           <p:cNvPr id="16" name="15 Conector angular"/>
           <p:cNvCxnSpPr>
-            <a:stCxn id="87" idx="2"/>
+            <a:stCxn id="70" idx="1"/>
             <a:endCxn id="91" idx="0"/>
           </p:cNvCxnSpPr>
           <p:nvPr/>
         </p:nvCxnSpPr>
         <p:spPr>
-          <a:xfrm rot="5400000">
-            <a:off x="2307500" y="1041817"/>
-            <a:ext cx="725743" cy="680393"/>
-          </a:xfrm>
-          <a:prstGeom prst="bentConnector3">
+          <a:xfrm rot="10800000" flipV="1">
+            <a:off x="2330174" y="1298805"/>
+            <a:ext cx="221960" cy="446080"/>
+          </a:xfrm>
+          <a:prstGeom prst="bentConnector2">
             <a:avLst/>
           </a:prstGeom>
           <a:ln>
@@ -3163,17 +2804,17 @@
         <p:nvCxnSpPr>
           <p:cNvPr id="23" name="22 Conector angular"/>
           <p:cNvCxnSpPr>
-            <a:stCxn id="87" idx="2"/>
+            <a:stCxn id="70" idx="3"/>
             <a:endCxn id="92" idx="0"/>
           </p:cNvCxnSpPr>
           <p:nvPr/>
         </p:nvCxnSpPr>
         <p:spPr>
-          <a:xfrm rot="16200000" flipH="1">
-            <a:off x="3015477" y="1014231"/>
-            <a:ext cx="725742" cy="735563"/>
-          </a:xfrm>
-          <a:prstGeom prst="bentConnector3">
+          <a:xfrm>
+            <a:off x="3469001" y="1298805"/>
+            <a:ext cx="277129" cy="446079"/>
+          </a:xfrm>
+          <a:prstGeom prst="bentConnector2">
             <a:avLst/>
           </a:prstGeom>
           <a:ln>
@@ -3284,8 +2925,8 @@
         </p:nvCxnSpPr>
         <p:spPr>
           <a:xfrm rot="5400000">
-            <a:off x="1786293" y="2534987"/>
-            <a:ext cx="1087762" cy="1"/>
+            <a:off x="1891797" y="2429483"/>
+            <a:ext cx="876754" cy="1"/>
           </a:xfrm>
           <a:prstGeom prst="bentConnector3">
             <a:avLst/>
@@ -3322,8 +2963,8 @@
         </p:nvCxnSpPr>
         <p:spPr>
           <a:xfrm rot="5400000">
-            <a:off x="3202249" y="2534986"/>
-            <a:ext cx="1087763" cy="1"/>
+            <a:off x="3307753" y="2429482"/>
+            <a:ext cx="876755" cy="1"/>
           </a:xfrm>
           <a:prstGeom prst="bentConnector3">
             <a:avLst/>
@@ -3353,17 +2994,17 @@
         <p:nvCxnSpPr>
           <p:cNvPr id="34" name="33 Conector angular"/>
           <p:cNvCxnSpPr>
-            <a:stCxn id="94" idx="2"/>
+            <a:stCxn id="75" idx="1"/>
             <a:endCxn id="103" idx="0"/>
           </p:cNvCxnSpPr>
           <p:nvPr/>
         </p:nvCxnSpPr>
         <p:spPr>
-          <a:xfrm rot="5400000">
-            <a:off x="4697188" y="2302659"/>
-            <a:ext cx="936366" cy="616052"/>
-          </a:xfrm>
-          <a:prstGeom prst="bentConnector3">
+          <a:xfrm rot="10800000" flipV="1">
+            <a:off x="4857346" y="2625772"/>
+            <a:ext cx="74315" cy="242088"/>
+          </a:xfrm>
+          <a:prstGeom prst="bentConnector2">
             <a:avLst/>
           </a:prstGeom>
           <a:ln>
@@ -3391,17 +3032,17 @@
         <p:nvCxnSpPr>
           <p:cNvPr id="36" name="35 Conector angular"/>
           <p:cNvCxnSpPr>
-            <a:stCxn id="94" idx="2"/>
+            <a:stCxn id="75" idx="3"/>
             <a:endCxn id="107" idx="0"/>
           </p:cNvCxnSpPr>
           <p:nvPr/>
         </p:nvCxnSpPr>
         <p:spPr>
-          <a:xfrm rot="16200000" flipH="1">
-            <a:off x="5295637" y="2320262"/>
-            <a:ext cx="936366" cy="580846"/>
-          </a:xfrm>
-          <a:prstGeom prst="bentConnector3">
+          <a:xfrm>
+            <a:off x="6015132" y="2625772"/>
+            <a:ext cx="39111" cy="242088"/>
+          </a:xfrm>
+          <a:prstGeom prst="bentConnector2">
             <a:avLst/>
           </a:prstGeom>
           <a:ln>
@@ -3429,17 +3070,17 @@
         <p:nvCxnSpPr>
           <p:cNvPr id="38" name="37 Conector angular"/>
           <p:cNvCxnSpPr>
-            <a:stCxn id="95" idx="2"/>
+            <a:stCxn id="76" idx="1"/>
             <a:endCxn id="110" idx="0"/>
           </p:cNvCxnSpPr>
           <p:nvPr/>
         </p:nvCxnSpPr>
         <p:spPr>
-          <a:xfrm rot="5400000">
-            <a:off x="7098858" y="2392444"/>
-            <a:ext cx="782478" cy="590371"/>
-          </a:xfrm>
-          <a:prstGeom prst="bentConnector3">
+          <a:xfrm rot="10800000" flipV="1">
+            <a:off x="7194912" y="2628264"/>
+            <a:ext cx="49343" cy="239595"/>
+          </a:xfrm>
+          <a:prstGeom prst="bentConnector2">
             <a:avLst/>
           </a:prstGeom>
           <a:ln>
@@ -3467,17 +3108,17 @@
         <p:nvCxnSpPr>
           <p:cNvPr id="40" name="39 Conector angular"/>
           <p:cNvCxnSpPr>
-            <a:stCxn id="95" idx="2"/>
+            <a:stCxn id="76" idx="3"/>
             <a:endCxn id="111" idx="0"/>
           </p:cNvCxnSpPr>
           <p:nvPr/>
         </p:nvCxnSpPr>
         <p:spPr>
-          <a:xfrm rot="16200000" flipH="1">
-            <a:off x="7697306" y="2384365"/>
-            <a:ext cx="782478" cy="606527"/>
-          </a:xfrm>
-          <a:prstGeom prst="bentConnector3">
+          <a:xfrm>
+            <a:off x="8327726" y="2628265"/>
+            <a:ext cx="64083" cy="239595"/>
+          </a:xfrm>
+          <a:prstGeom prst="bentConnector2">
             <a:avLst/>
           </a:prstGeom>
           <a:ln>
@@ -3512,7 +3153,7 @@
         </p:nvCxnSpPr>
         <p:spPr>
           <a:xfrm rot="16200000" flipH="1">
-            <a:off x="2291740" y="3348132"/>
+            <a:off x="2291740" y="3137124"/>
             <a:ext cx="76866" cy="1"/>
           </a:xfrm>
           <a:prstGeom prst="bentConnector3">
@@ -3550,7 +3191,7 @@
         </p:nvCxnSpPr>
         <p:spPr>
           <a:xfrm rot="16200000" flipH="1">
-            <a:off x="3705758" y="3350070"/>
+            <a:off x="3705758" y="3139062"/>
             <a:ext cx="80743" cy="1"/>
           </a:xfrm>
           <a:prstGeom prst="bentConnector3">
@@ -3588,8 +3229,8 @@
         </p:nvCxnSpPr>
         <p:spPr>
           <a:xfrm rot="5400000">
-            <a:off x="3685293" y="3682110"/>
-            <a:ext cx="121673" cy="2"/>
+            <a:off x="3676309" y="3480086"/>
+            <a:ext cx="139641" cy="2"/>
           </a:xfrm>
           <a:prstGeom prst="bentConnector3">
             <a:avLst/>
@@ -3626,8 +3267,8 @@
         </p:nvCxnSpPr>
         <p:spPr>
           <a:xfrm rot="16200000" flipH="1">
-            <a:off x="3675055" y="4044853"/>
-            <a:ext cx="142149" cy="2"/>
+            <a:off x="3673710" y="3853158"/>
+            <a:ext cx="144838" cy="2"/>
           </a:xfrm>
           <a:prstGeom prst="bentConnector3">
             <a:avLst/>
@@ -3664,8 +3305,8 @@
         </p:nvCxnSpPr>
         <p:spPr>
           <a:xfrm rot="16200000" flipH="1">
-            <a:off x="3442328" y="4650563"/>
-            <a:ext cx="608823" cy="1218"/>
+            <a:off x="3514135" y="4529331"/>
+            <a:ext cx="465208" cy="1218"/>
           </a:xfrm>
           <a:prstGeom prst="bentConnector3">
             <a:avLst/>
@@ -3702,7 +3343,7 @@
         </p:nvCxnSpPr>
         <p:spPr>
           <a:xfrm rot="5400000">
-            <a:off x="4818280" y="3347501"/>
+            <a:off x="4818280" y="3136493"/>
             <a:ext cx="76866" cy="1265"/>
           </a:xfrm>
           <a:prstGeom prst="bentConnector3">
@@ -3735,8 +3376,8 @@
         </p:nvCxnSpPr>
         <p:spPr>
           <a:xfrm rot="16200000" flipH="1">
-            <a:off x="4610300" y="3863178"/>
-            <a:ext cx="498531" cy="6970"/>
+            <a:off x="4601316" y="3661154"/>
+            <a:ext cx="516499" cy="6970"/>
           </a:xfrm>
           <a:prstGeom prst="bentConnector3">
             <a:avLst/>
@@ -3773,8 +3414,8 @@
         </p:nvCxnSpPr>
         <p:spPr>
           <a:xfrm rot="16200000" flipH="1">
-            <a:off x="5773060" y="3905143"/>
-            <a:ext cx="559100" cy="972"/>
+            <a:off x="5799308" y="3667887"/>
+            <a:ext cx="506605" cy="972"/>
           </a:xfrm>
           <a:prstGeom prst="bentConnector3">
             <a:avLst/>
@@ -3811,8 +3452,8 @@
         </p:nvCxnSpPr>
         <p:spPr>
           <a:xfrm rot="5400000">
-            <a:off x="6943248" y="3865954"/>
-            <a:ext cx="497548" cy="2402"/>
+            <a:off x="6934264" y="3663930"/>
+            <a:ext cx="515516" cy="2402"/>
           </a:xfrm>
           <a:prstGeom prst="bentConnector3">
             <a:avLst/>
@@ -3849,8 +3490,8 @@
         </p:nvCxnSpPr>
         <p:spPr>
           <a:xfrm rot="5400000">
-            <a:off x="8106635" y="3900006"/>
-            <a:ext cx="566798" cy="3548"/>
+            <a:off x="8134227" y="3661406"/>
+            <a:ext cx="511614" cy="3548"/>
           </a:xfrm>
           <a:prstGeom prst="bentConnector3">
             <a:avLst/>
@@ -3887,7 +3528,7 @@
         </p:nvCxnSpPr>
         <p:spPr>
           <a:xfrm rot="5400000">
-            <a:off x="6010411" y="3351414"/>
+            <a:off x="6010411" y="3140406"/>
             <a:ext cx="85547" cy="2119"/>
           </a:xfrm>
           <a:prstGeom prst="bentConnector3">
@@ -3925,8 +3566,8 @@
         </p:nvCxnSpPr>
         <p:spPr>
           <a:xfrm rot="5400000">
-            <a:off x="5835475" y="4633632"/>
-            <a:ext cx="435243" cy="1"/>
+            <a:off x="5870706" y="4475824"/>
+            <a:ext cx="364780" cy="1"/>
           </a:xfrm>
           <a:prstGeom prst="bentConnector3">
             <a:avLst/>
@@ -3963,7 +3604,7 @@
         </p:nvCxnSpPr>
         <p:spPr>
           <a:xfrm rot="16200000" flipH="1">
-            <a:off x="4647649" y="4700661"/>
+            <a:off x="4647649" y="4507621"/>
             <a:ext cx="435243" cy="4441"/>
           </a:xfrm>
           <a:prstGeom prst="bentConnector3">
@@ -4001,8 +3642,8 @@
         </p:nvCxnSpPr>
         <p:spPr>
           <a:xfrm rot="5400000">
-            <a:off x="3316277" y="5200248"/>
-            <a:ext cx="167904" cy="694239"/>
+            <a:off x="3307897" y="5015588"/>
+            <a:ext cx="184665" cy="694239"/>
           </a:xfrm>
           <a:prstGeom prst="bentConnector3">
             <a:avLst/>
@@ -4039,7 +3680,7 @@
         </p:nvCxnSpPr>
         <p:spPr>
           <a:xfrm rot="16200000" flipH="1">
-            <a:off x="4030201" y="5180561"/>
+            <a:off x="4030201" y="4987521"/>
             <a:ext cx="184666" cy="750373"/>
           </a:xfrm>
           <a:prstGeom prst="bentConnector3">
@@ -4077,8 +3718,8 @@
         </p:nvCxnSpPr>
         <p:spPr>
           <a:xfrm rot="5400000">
-            <a:off x="8314075" y="4628696"/>
-            <a:ext cx="148370" cy="1"/>
+            <a:off x="8277499" y="4399080"/>
+            <a:ext cx="221522" cy="1"/>
           </a:xfrm>
           <a:prstGeom prst="bentConnector3">
             <a:avLst/>
@@ -4114,9 +3755,9 @@
           <p:nvPr/>
         </p:nvCxnSpPr>
         <p:spPr>
-          <a:xfrm rot="16200000" flipV="1">
-            <a:off x="2822396" y="6092865"/>
-            <a:ext cx="486331" cy="24904"/>
+          <a:xfrm rot="5400000" flipH="1" flipV="1">
+            <a:off x="2886691" y="5989024"/>
+            <a:ext cx="331070" cy="1766"/>
           </a:xfrm>
           <a:prstGeom prst="bentConnector3">
             <a:avLst/>
@@ -4153,8 +3794,8 @@
         </p:nvCxnSpPr>
         <p:spPr>
           <a:xfrm rot="16200000" flipV="1">
-            <a:off x="4307189" y="6207945"/>
-            <a:ext cx="400318" cy="19254"/>
+            <a:off x="4333859" y="5988235"/>
+            <a:ext cx="346978" cy="19254"/>
           </a:xfrm>
           <a:prstGeom prst="bentConnector3">
             <a:avLst/>
@@ -4191,7 +3832,7 @@
         </p:nvCxnSpPr>
         <p:spPr>
           <a:xfrm rot="16200000" flipV="1">
-            <a:off x="8246252" y="5075720"/>
+            <a:off x="8246252" y="4882680"/>
             <a:ext cx="287562" cy="3548"/>
           </a:xfrm>
           <a:prstGeom prst="bentConnector3">
@@ -4229,7 +3870,7 @@
         </p:nvCxnSpPr>
         <p:spPr>
           <a:xfrm rot="16200000" flipV="1">
-            <a:off x="8233093" y="5887820"/>
+            <a:off x="8233093" y="5694780"/>
             <a:ext cx="325520" cy="8092"/>
           </a:xfrm>
           <a:prstGeom prst="bentConnector3">
@@ -4267,8 +3908,8 @@
         </p:nvCxnSpPr>
         <p:spPr>
           <a:xfrm rot="5400000" flipH="1" flipV="1">
-            <a:off x="5838707" y="6217491"/>
-            <a:ext cx="424030" cy="2"/>
+            <a:off x="5869659" y="5990291"/>
+            <a:ext cx="358915" cy="3208"/>
           </a:xfrm>
           <a:prstGeom prst="bentConnector3">
             <a:avLst/>
@@ -4304,9 +3945,9 @@
           <p:nvPr/>
         </p:nvCxnSpPr>
         <p:spPr>
-          <a:xfrm rot="16200000" flipH="1">
-            <a:off x="6016410" y="5740331"/>
-            <a:ext cx="68623" cy="3"/>
+          <a:xfrm rot="5400000">
+            <a:off x="6016409" y="5547293"/>
+            <a:ext cx="68623" cy="12700"/>
           </a:xfrm>
           <a:prstGeom prst="bentConnector3">
             <a:avLst/>
@@ -4338,7 +3979,7 @@
         </p:nvCxnSpPr>
         <p:spPr>
           <a:xfrm rot="5400000">
-            <a:off x="5993856" y="5415950"/>
+            <a:off x="5993856" y="5222910"/>
             <a:ext cx="116105" cy="2375"/>
           </a:xfrm>
           <a:prstGeom prst="bentConnector3">
@@ -4376,8 +4017,8 @@
         </p:nvCxnSpPr>
         <p:spPr>
           <a:xfrm rot="16200000" flipH="1">
-            <a:off x="716631" y="3851313"/>
-            <a:ext cx="529230" cy="2"/>
+            <a:off x="788927" y="3649289"/>
+            <a:ext cx="547198" cy="2"/>
           </a:xfrm>
           <a:prstGeom prst="bentConnector3">
             <a:avLst/>
@@ -4414,7 +4055,7 @@
         </p:nvCxnSpPr>
         <p:spPr>
           <a:xfrm rot="5400000" flipH="1" flipV="1">
-            <a:off x="7155143" y="3347781"/>
+            <a:off x="7155143" y="3136773"/>
             <a:ext cx="77849" cy="1688"/>
           </a:xfrm>
           <a:prstGeom prst="bentConnector3">
@@ -4452,7 +4093,7 @@
         </p:nvCxnSpPr>
         <p:spPr>
           <a:xfrm rot="5400000" flipH="1" flipV="1">
-            <a:off x="8352884" y="3348625"/>
+            <a:off x="8352884" y="3137617"/>
             <a:ext cx="77849" cy="1"/>
           </a:xfrm>
           <a:prstGeom prst="bentConnector3">
@@ -4487,8 +4128,8 @@
         </p:nvSpPr>
         <p:spPr>
           <a:xfrm>
-            <a:off x="2678950" y="6054626"/>
-            <a:ext cx="798127" cy="215444"/>
+            <a:off x="2678950" y="5895522"/>
+            <a:ext cx="798127" cy="178053"/>
           </a:xfrm>
           <a:prstGeom prst="rect">
             <a:avLst/>
@@ -4505,16 +4146,12 @@
           <a:p>
             <a:pPr algn="ctr"/>
             <a:r>
-              <a:rPr lang="es-ES" sz="800" dirty="0" smtClean="0">
+              <a:rPr lang="es-ES" sz="800" dirty="0">
                 <a:latin typeface="Arial" pitchFamily="34" charset="0"/>
                 <a:cs typeface="Arial" pitchFamily="34" charset="0"/>
               </a:rPr>
               <a:t>se observa</a:t>
             </a:r>
-            <a:endParaRPr lang="es-ES" sz="800" dirty="0">
-              <a:latin typeface="Arial" pitchFamily="34" charset="0"/>
-              <a:cs typeface="Arial" pitchFamily="34" charset="0"/>
-            </a:endParaRPr>
           </a:p>
         </p:txBody>
       </p:sp>
@@ -4526,7 +4163,7 @@
         </p:nvSpPr>
         <p:spPr>
           <a:xfrm>
-            <a:off x="4098656" y="6083991"/>
+            <a:off x="4098656" y="5890951"/>
             <a:ext cx="798127" cy="215444"/>
           </a:xfrm>
           <a:prstGeom prst="rect">
@@ -4544,16 +4181,12 @@
           <a:p>
             <a:pPr algn="ctr"/>
             <a:r>
-              <a:rPr lang="es-ES" sz="800" dirty="0" smtClean="0">
+              <a:rPr lang="es-ES" sz="800" dirty="0">
                 <a:latin typeface="Arial" pitchFamily="34" charset="0"/>
                 <a:cs typeface="Arial" pitchFamily="34" charset="0"/>
               </a:rPr>
               <a:t>se observa</a:t>
             </a:r>
-            <a:endParaRPr lang="es-ES" sz="800" dirty="0">
-              <a:latin typeface="Arial" pitchFamily="34" charset="0"/>
-              <a:cs typeface="Arial" pitchFamily="34" charset="0"/>
-            </a:endParaRPr>
           </a:p>
         </p:txBody>
       </p:sp>
@@ -4583,16 +4216,12 @@
           <a:p>
             <a:pPr algn="ctr"/>
             <a:r>
-              <a:rPr lang="es-ES" sz="900" dirty="0" smtClean="0">
+              <a:rPr lang="es-ES" sz="900" dirty="0">
                 <a:latin typeface="Arial" pitchFamily="34" charset="0"/>
                 <a:cs typeface="Arial" pitchFamily="34" charset="0"/>
               </a:rPr>
               <a:t>se puede dividir en </a:t>
             </a:r>
-            <a:endParaRPr lang="es-ES" sz="900" dirty="0">
-              <a:latin typeface="Arial" pitchFamily="34" charset="0"/>
-              <a:cs typeface="Arial" pitchFamily="34" charset="0"/>
-            </a:endParaRPr>
           </a:p>
         </p:txBody>
       </p:sp>
@@ -4622,16 +4251,12 @@
           <a:p>
             <a:pPr algn="ctr"/>
             <a:r>
-              <a:rPr lang="es-ES" sz="900" dirty="0" smtClean="0">
+              <a:rPr lang="es-ES" sz="900" dirty="0">
                 <a:latin typeface="Arial" pitchFamily="34" charset="0"/>
                 <a:cs typeface="Arial" pitchFamily="34" charset="0"/>
               </a:rPr>
               <a:t>como</a:t>
             </a:r>
-            <a:endParaRPr lang="es-ES" sz="900" dirty="0">
-              <a:latin typeface="Arial" pitchFamily="34" charset="0"/>
-              <a:cs typeface="Arial" pitchFamily="34" charset="0"/>
-            </a:endParaRPr>
           </a:p>
         </p:txBody>
       </p:sp>
@@ -4661,16 +4286,12 @@
           <a:p>
             <a:pPr algn="ctr"/>
             <a:r>
-              <a:rPr lang="es-ES" sz="900" dirty="0" smtClean="0">
+              <a:rPr lang="es-ES" sz="900" dirty="0">
                 <a:latin typeface="Arial" pitchFamily="34" charset="0"/>
                 <a:cs typeface="Arial" pitchFamily="34" charset="0"/>
               </a:rPr>
               <a:t>como</a:t>
             </a:r>
-            <a:endParaRPr lang="es-ES" sz="900" dirty="0">
-              <a:latin typeface="Arial" pitchFamily="34" charset="0"/>
-              <a:cs typeface="Arial" pitchFamily="34" charset="0"/>
-            </a:endParaRPr>
           </a:p>
         </p:txBody>
       </p:sp>
@@ -4700,16 +4321,12 @@
           <a:p>
             <a:pPr algn="ctr"/>
             <a:r>
-              <a:rPr lang="es-ES" sz="900" dirty="0" smtClean="0">
+              <a:rPr lang="es-ES" sz="900" dirty="0">
                 <a:latin typeface="Arial" pitchFamily="34" charset="0"/>
                 <a:cs typeface="Arial" pitchFamily="34" charset="0"/>
               </a:rPr>
               <a:t>se identifica por</a:t>
             </a:r>
-            <a:endParaRPr lang="es-ES" sz="900" dirty="0">
-              <a:latin typeface="Arial" pitchFamily="34" charset="0"/>
-              <a:cs typeface="Arial" pitchFamily="34" charset="0"/>
-            </a:endParaRPr>
           </a:p>
         </p:txBody>
       </p:sp>
@@ -4721,7 +4338,7 @@
         </p:nvSpPr>
         <p:spPr>
           <a:xfrm>
-            <a:off x="7249334" y="2512849"/>
+            <a:off x="7244254" y="2512849"/>
             <a:ext cx="1083472" cy="230832"/>
           </a:xfrm>
           <a:prstGeom prst="rect">
@@ -4739,16 +4356,12 @@
           <a:p>
             <a:pPr algn="ctr"/>
             <a:r>
-              <a:rPr lang="es-ES" sz="900" dirty="0" smtClean="0">
+              <a:rPr lang="es-ES" sz="900" dirty="0">
                 <a:latin typeface="Arial" pitchFamily="34" charset="0"/>
                 <a:cs typeface="Arial" pitchFamily="34" charset="0"/>
               </a:rPr>
               <a:t>se identifica por</a:t>
             </a:r>
-            <a:endParaRPr lang="es-ES" sz="900" dirty="0">
-              <a:latin typeface="Arial" pitchFamily="34" charset="0"/>
-              <a:cs typeface="Arial" pitchFamily="34" charset="0"/>
-            </a:endParaRPr>
           </a:p>
         </p:txBody>
       </p:sp>
@@ -4760,7 +4373,7 @@
         </p:nvSpPr>
         <p:spPr>
           <a:xfrm>
-            <a:off x="606116" y="3742948"/>
+            <a:off x="687396" y="3549908"/>
             <a:ext cx="750262" cy="230832"/>
           </a:xfrm>
           <a:prstGeom prst="rect">
@@ -4778,16 +4391,12 @@
           <a:p>
             <a:pPr algn="ctr"/>
             <a:r>
-              <a:rPr lang="es-ES" sz="900" dirty="0" smtClean="0">
+              <a:rPr lang="es-ES" sz="900" dirty="0">
                 <a:latin typeface="Arial" pitchFamily="34" charset="0"/>
                 <a:cs typeface="Arial" pitchFamily="34" charset="0"/>
               </a:rPr>
               <a:t>respecto a</a:t>
             </a:r>
-            <a:endParaRPr lang="es-ES" sz="900" dirty="0">
-              <a:latin typeface="Arial" pitchFamily="34" charset="0"/>
-              <a:cs typeface="Arial" pitchFamily="34" charset="0"/>
-            </a:endParaRPr>
           </a:p>
         </p:txBody>
       </p:sp>
@@ -4799,7 +4408,7 @@
         </p:nvSpPr>
         <p:spPr>
           <a:xfrm>
-            <a:off x="4643079" y="3742948"/>
+            <a:off x="4643079" y="3549908"/>
             <a:ext cx="451348" cy="230832"/>
           </a:xfrm>
           <a:prstGeom prst="rect">
@@ -4817,16 +4426,12 @@
           <a:p>
             <a:pPr algn="ctr"/>
             <a:r>
-              <a:rPr lang="es-ES" sz="900" dirty="0" smtClean="0">
+              <a:rPr lang="es-ES" sz="900" dirty="0">
                 <a:latin typeface="Arial" pitchFamily="34" charset="0"/>
                 <a:cs typeface="Arial" pitchFamily="34" charset="0"/>
               </a:rPr>
               <a:t>con</a:t>
             </a:r>
-            <a:endParaRPr lang="es-ES" sz="900" dirty="0">
-              <a:latin typeface="Arial" pitchFamily="34" charset="0"/>
-              <a:cs typeface="Arial" pitchFamily="34" charset="0"/>
-            </a:endParaRPr>
           </a:p>
         </p:txBody>
       </p:sp>
@@ -4838,7 +4443,7 @@
         </p:nvSpPr>
         <p:spPr>
           <a:xfrm>
-            <a:off x="5827422" y="3742948"/>
+            <a:off x="5827422" y="3549908"/>
             <a:ext cx="451348" cy="230832"/>
           </a:xfrm>
           <a:prstGeom prst="rect">
@@ -4856,16 +4461,12 @@
           <a:p>
             <a:pPr algn="ctr"/>
             <a:r>
-              <a:rPr lang="es-ES" sz="900" dirty="0" smtClean="0">
+              <a:rPr lang="es-ES" sz="900" dirty="0">
                 <a:latin typeface="Arial" pitchFamily="34" charset="0"/>
                 <a:cs typeface="Arial" pitchFamily="34" charset="0"/>
               </a:rPr>
               <a:t>es</a:t>
             </a:r>
-            <a:endParaRPr lang="es-ES" sz="900" dirty="0">
-              <a:latin typeface="Arial" pitchFamily="34" charset="0"/>
-              <a:cs typeface="Arial" pitchFamily="34" charset="0"/>
-            </a:endParaRPr>
           </a:p>
         </p:txBody>
       </p:sp>
@@ -4877,7 +4478,7 @@
         </p:nvSpPr>
         <p:spPr>
           <a:xfrm>
-            <a:off x="6965146" y="3742948"/>
+            <a:off x="6965146" y="3549908"/>
             <a:ext cx="451348" cy="230832"/>
           </a:xfrm>
           <a:prstGeom prst="rect">
@@ -4895,16 +4496,12 @@
           <a:p>
             <a:pPr algn="ctr"/>
             <a:r>
-              <a:rPr lang="es-ES" sz="900" dirty="0" smtClean="0">
+              <a:rPr lang="es-ES" sz="900" dirty="0">
                 <a:latin typeface="Arial" pitchFamily="34" charset="0"/>
                 <a:cs typeface="Arial" pitchFamily="34" charset="0"/>
               </a:rPr>
               <a:t>con</a:t>
             </a:r>
-            <a:endParaRPr lang="es-ES" sz="900" dirty="0">
-              <a:latin typeface="Arial" pitchFamily="34" charset="0"/>
-              <a:cs typeface="Arial" pitchFamily="34" charset="0"/>
-            </a:endParaRPr>
           </a:p>
         </p:txBody>
       </p:sp>
@@ -4916,7 +4513,7 @@
         </p:nvSpPr>
         <p:spPr>
           <a:xfrm>
-            <a:off x="8210881" y="3742948"/>
+            <a:off x="8210881" y="3549908"/>
             <a:ext cx="451348" cy="230832"/>
           </a:xfrm>
           <a:prstGeom prst="rect">
@@ -4934,16 +4531,12 @@
           <a:p>
             <a:pPr algn="ctr"/>
             <a:r>
-              <a:rPr lang="es-ES" sz="900" dirty="0" smtClean="0">
+              <a:rPr lang="es-ES" sz="900" dirty="0">
                 <a:latin typeface="Arial" pitchFamily="34" charset="0"/>
                 <a:cs typeface="Arial" pitchFamily="34" charset="0"/>
               </a:rPr>
               <a:t>es</a:t>
             </a:r>
-            <a:endParaRPr lang="es-ES" sz="900" dirty="0">
-              <a:latin typeface="Arial" pitchFamily="34" charset="0"/>
-              <a:cs typeface="Arial" pitchFamily="34" charset="0"/>
-            </a:endParaRPr>
           </a:p>
         </p:txBody>
       </p:sp>
@@ -4955,7 +4548,7 @@
         </p:nvSpPr>
         <p:spPr>
           <a:xfrm>
-            <a:off x="5834987" y="6096138"/>
+            <a:off x="5834987" y="5903098"/>
             <a:ext cx="451348" cy="215444"/>
           </a:xfrm>
           <a:prstGeom prst="rect">
@@ -4973,16 +4566,12 @@
           <a:p>
             <a:pPr algn="ctr"/>
             <a:r>
-              <a:rPr lang="es-ES" sz="800" dirty="0" smtClean="0">
+              <a:rPr lang="es-ES" sz="800" dirty="0">
                 <a:latin typeface="Arial" pitchFamily="34" charset="0"/>
                 <a:cs typeface="Arial" pitchFamily="34" charset="0"/>
               </a:rPr>
               <a:t>cuya</a:t>
             </a:r>
-            <a:endParaRPr lang="es-ES" sz="800" dirty="0">
-              <a:latin typeface="Arial" pitchFamily="34" charset="0"/>
-              <a:cs typeface="Arial" pitchFamily="34" charset="0"/>
-            </a:endParaRPr>
           </a:p>
         </p:txBody>
       </p:sp>
@@ -4994,7 +4583,7 @@
         </p:nvSpPr>
         <p:spPr>
           <a:xfrm>
-            <a:off x="4630407" y="4573926"/>
+            <a:off x="4630407" y="4380886"/>
             <a:ext cx="451348" cy="230832"/>
           </a:xfrm>
           <a:prstGeom prst="rect">
@@ -5012,16 +4601,12 @@
           <a:p>
             <a:pPr algn="ctr"/>
             <a:r>
-              <a:rPr lang="es-ES" sz="900" dirty="0" smtClean="0">
+              <a:rPr lang="es-ES" sz="900" dirty="0">
                 <a:latin typeface="Arial" pitchFamily="34" charset="0"/>
                 <a:cs typeface="Arial" pitchFamily="34" charset="0"/>
               </a:rPr>
               <a:t>y</a:t>
             </a:r>
-            <a:endParaRPr lang="es-ES" sz="900" dirty="0">
-              <a:latin typeface="Arial" pitchFamily="34" charset="0"/>
-              <a:cs typeface="Arial" pitchFamily="34" charset="0"/>
-            </a:endParaRPr>
           </a:p>
         </p:txBody>
       </p:sp>
@@ -5033,7 +4618,7 @@
         </p:nvSpPr>
         <p:spPr>
           <a:xfrm>
-            <a:off x="3186947" y="4566346"/>
+            <a:off x="3186947" y="4373306"/>
             <a:ext cx="1083472" cy="215444"/>
           </a:xfrm>
           <a:prstGeom prst="rect">
@@ -5051,16 +4636,12 @@
           <a:p>
             <a:pPr algn="ctr"/>
             <a:r>
-              <a:rPr lang="es-ES" sz="800" dirty="0" smtClean="0">
+              <a:rPr lang="es-ES" sz="800" dirty="0">
                 <a:latin typeface="Arial" pitchFamily="34" charset="0"/>
                 <a:cs typeface="Arial" pitchFamily="34" charset="0"/>
               </a:rPr>
               <a:t>se presentan</a:t>
             </a:r>
-            <a:endParaRPr lang="es-ES" sz="800" dirty="0">
-              <a:latin typeface="Arial" pitchFamily="34" charset="0"/>
-              <a:cs typeface="Arial" pitchFamily="34" charset="0"/>
-            </a:endParaRPr>
           </a:p>
         </p:txBody>
       </p:sp>
@@ -5072,7 +4653,7 @@
         </p:nvSpPr>
         <p:spPr>
           <a:xfrm>
-            <a:off x="8211408" y="5775206"/>
+            <a:off x="8211408" y="5582166"/>
             <a:ext cx="451348" cy="215444"/>
           </a:xfrm>
           <a:prstGeom prst="rect">
@@ -5090,16 +4671,12 @@
           <a:p>
             <a:pPr algn="ctr"/>
             <a:r>
-              <a:rPr lang="es-ES" sz="800" dirty="0" smtClean="0">
+              <a:rPr lang="es-ES" sz="800" dirty="0">
                 <a:latin typeface="Arial" pitchFamily="34" charset="0"/>
                 <a:cs typeface="Arial" pitchFamily="34" charset="0"/>
               </a:rPr>
               <a:t>cuya</a:t>
             </a:r>
-            <a:endParaRPr lang="es-ES" sz="800" dirty="0">
-              <a:latin typeface="Arial" pitchFamily="34" charset="0"/>
-              <a:cs typeface="Arial" pitchFamily="34" charset="0"/>
-            </a:endParaRPr>
           </a:p>
         </p:txBody>
       </p:sp>
@@ -5111,7 +4688,7 @@
         </p:nvSpPr>
         <p:spPr>
           <a:xfrm>
-            <a:off x="5818629" y="4558906"/>
+            <a:off x="5818629" y="4365866"/>
             <a:ext cx="451348" cy="215444"/>
           </a:xfrm>
           <a:prstGeom prst="rect">
@@ -5129,16 +4706,12 @@
           <a:p>
             <a:pPr algn="ctr"/>
             <a:r>
-              <a:rPr lang="es-ES" sz="800" dirty="0" smtClean="0">
+              <a:rPr lang="es-ES" sz="800" dirty="0">
                 <a:latin typeface="Arial" pitchFamily="34" charset="0"/>
                 <a:cs typeface="Arial" pitchFamily="34" charset="0"/>
               </a:rPr>
               <a:t>con</a:t>
             </a:r>
-            <a:endParaRPr lang="es-ES" sz="800" dirty="0">
-              <a:latin typeface="Arial" pitchFamily="34" charset="0"/>
-              <a:cs typeface="Arial" pitchFamily="34" charset="0"/>
-            </a:endParaRPr>
           </a:p>
         </p:txBody>
       </p:sp>
@@ -5150,7 +4723,7 @@
         </p:nvSpPr>
         <p:spPr>
           <a:xfrm>
-            <a:off x="8211408" y="4970612"/>
+            <a:off x="8211408" y="4777572"/>
             <a:ext cx="451348" cy="215444"/>
           </a:xfrm>
           <a:prstGeom prst="rect">
@@ -5168,16 +4741,12 @@
           <a:p>
             <a:pPr algn="ctr"/>
             <a:r>
-              <a:rPr lang="es-ES" sz="800" dirty="0" smtClean="0">
+              <a:rPr lang="es-ES" sz="800" dirty="0">
                 <a:latin typeface="Arial" pitchFamily="34" charset="0"/>
                 <a:cs typeface="Arial" pitchFamily="34" charset="0"/>
               </a:rPr>
               <a:t>con</a:t>
             </a:r>
-            <a:endParaRPr lang="es-ES" sz="800" dirty="0">
-              <a:latin typeface="Arial" pitchFamily="34" charset="0"/>
-              <a:cs typeface="Arial" pitchFamily="34" charset="0"/>
-            </a:endParaRPr>
           </a:p>
         </p:txBody>
       </p:sp>
@@ -5189,7 +4758,7 @@
         </p:nvSpPr>
         <p:spPr>
           <a:xfrm>
-            <a:off x="679342" y="1183389"/>
+            <a:off x="760622" y="1183389"/>
             <a:ext cx="677037" cy="369332"/>
           </a:xfrm>
           <a:prstGeom prst="rect">
@@ -5207,30 +4776,12 @@
           <a:p>
             <a:pPr algn="ctr"/>
             <a:r>
-              <a:rPr lang="es-ES" sz="900">
+              <a:rPr lang="es-ES" sz="900" dirty="0">
                 <a:latin typeface="Arial" pitchFamily="34" charset="0"/>
                 <a:cs typeface="Arial" pitchFamily="34" charset="0"/>
               </a:rPr>
-              <a:t>q</a:t>
-            </a:r>
-            <a:r>
-              <a:rPr lang="es-ES" sz="900" smtClean="0">
-                <a:latin typeface="Arial" pitchFamily="34" charset="0"/>
-                <a:cs typeface="Arial" pitchFamily="34" charset="0"/>
-              </a:rPr>
-              <a:t>ue </a:t>
-            </a:r>
-            <a:r>
-              <a:rPr lang="es-ES" sz="900" dirty="0" smtClean="0">
-                <a:latin typeface="Arial" pitchFamily="34" charset="0"/>
-                <a:cs typeface="Arial" pitchFamily="34" charset="0"/>
-              </a:rPr>
-              <a:t>describe</a:t>
-            </a:r>
-            <a:endParaRPr lang="es-ES" sz="900" dirty="0">
-              <a:latin typeface="Arial" pitchFamily="34" charset="0"/>
-              <a:cs typeface="Arial" pitchFamily="34" charset="0"/>
-            </a:endParaRPr>
+              <a:t>que describe</a:t>
+            </a:r>
           </a:p>
         </p:txBody>
       </p:sp>
@@ -5242,8 +4793,8 @@
         </p:nvSpPr>
         <p:spPr>
           <a:xfrm>
-            <a:off x="755572" y="2512849"/>
-            <a:ext cx="451348" cy="230832"/>
+            <a:off x="814285" y="2505229"/>
+            <a:ext cx="496483" cy="230832"/>
           </a:xfrm>
           <a:prstGeom prst="rect">
             <a:avLst/>
@@ -5260,16 +4811,12 @@
           <a:p>
             <a:pPr algn="ctr"/>
             <a:r>
-              <a:rPr lang="es-ES" sz="900" dirty="0" smtClean="0">
+              <a:rPr lang="es-ES" sz="900" dirty="0">
                 <a:latin typeface="Arial" pitchFamily="34" charset="0"/>
                 <a:cs typeface="Arial" pitchFamily="34" charset="0"/>
               </a:rPr>
               <a:t>en</a:t>
             </a:r>
-            <a:endParaRPr lang="es-ES" sz="900" dirty="0">
-              <a:latin typeface="Arial" pitchFamily="34" charset="0"/>
-              <a:cs typeface="Arial" pitchFamily="34" charset="0"/>
-            </a:endParaRPr>
           </a:p>
         </p:txBody>
       </p:sp>
@@ -5299,19 +4846,172 @@
           <a:p>
             <a:pPr algn="ctr"/>
             <a:r>
-              <a:rPr lang="es-ES" sz="900" dirty="0" smtClean="0">
+              <a:rPr lang="es-ES" sz="900" dirty="0">
                 <a:latin typeface="Arial" pitchFamily="34" charset="0"/>
                 <a:cs typeface="Arial" pitchFamily="34" charset="0"/>
               </a:rPr>
               <a:t>pueden ser</a:t>
             </a:r>
-            <a:endParaRPr lang="es-ES" sz="900" dirty="0">
-              <a:latin typeface="Arial" pitchFamily="34" charset="0"/>
-              <a:cs typeface="Arial" pitchFamily="34" charset="0"/>
-            </a:endParaRPr>
-          </a:p>
-        </p:txBody>
-      </p:sp>
+          </a:p>
+        </p:txBody>
+      </p:sp>
+      <p:cxnSp>
+        <p:nvCxnSpPr>
+          <p:cNvPr id="108" name="35 Conector angular"/>
+          <p:cNvCxnSpPr>
+            <a:stCxn id="94" idx="2"/>
+            <a:endCxn id="75" idx="0"/>
+          </p:cNvCxnSpPr>
+          <p:nvPr/>
+        </p:nvCxnSpPr>
+        <p:spPr>
+          <a:xfrm rot="5400000">
+            <a:off x="5289470" y="2326429"/>
+            <a:ext cx="367854" cy="1"/>
+          </a:xfrm>
+          <a:prstGeom prst="bentConnector3">
+            <a:avLst>
+              <a:gd name="adj1" fmla="val 50000"/>
+            </a:avLst>
+          </a:prstGeom>
+          <a:ln>
+            <a:solidFill>
+              <a:schemeClr val="tx1"/>
+            </a:solidFill>
+          </a:ln>
+        </p:spPr>
+        <p:style>
+          <a:lnRef idx="1">
+            <a:schemeClr val="accent1"/>
+          </a:lnRef>
+          <a:fillRef idx="0">
+            <a:schemeClr val="accent1"/>
+          </a:fillRef>
+          <a:effectRef idx="0">
+            <a:schemeClr val="accent1"/>
+          </a:effectRef>
+          <a:fontRef idx="minor">
+            <a:schemeClr val="tx1"/>
+          </a:fontRef>
+        </p:style>
+      </p:cxnSp>
+      <p:cxnSp>
+        <p:nvCxnSpPr>
+          <p:cNvPr id="116" name="39 Conector angular"/>
+          <p:cNvCxnSpPr>
+            <a:stCxn id="95" idx="2"/>
+            <a:endCxn id="76" idx="0"/>
+          </p:cNvCxnSpPr>
+          <p:nvPr/>
+        </p:nvCxnSpPr>
+        <p:spPr>
+          <a:xfrm rot="16200000" flipH="1">
+            <a:off x="7677407" y="2404265"/>
+            <a:ext cx="216459" cy="708"/>
+          </a:xfrm>
+          <a:prstGeom prst="bentConnector3">
+            <a:avLst>
+              <a:gd name="adj1" fmla="val 50000"/>
+            </a:avLst>
+          </a:prstGeom>
+          <a:ln>
+            <a:solidFill>
+              <a:schemeClr val="tx1"/>
+            </a:solidFill>
+          </a:ln>
+        </p:spPr>
+        <p:style>
+          <a:lnRef idx="1">
+            <a:schemeClr val="accent1"/>
+          </a:lnRef>
+          <a:fillRef idx="0">
+            <a:schemeClr val="accent1"/>
+          </a:fillRef>
+          <a:effectRef idx="0">
+            <a:schemeClr val="accent1"/>
+          </a:effectRef>
+          <a:fontRef idx="minor">
+            <a:schemeClr val="tx1"/>
+          </a:fontRef>
+        </p:style>
+      </p:cxnSp>
+      <p:cxnSp>
+        <p:nvCxnSpPr>
+          <p:cNvPr id="120" name="22 Conector angular"/>
+          <p:cNvCxnSpPr>
+            <a:stCxn id="87" idx="2"/>
+            <a:endCxn id="70" idx="0"/>
+          </p:cNvCxnSpPr>
+          <p:nvPr/>
+        </p:nvCxnSpPr>
+        <p:spPr>
+          <a:xfrm rot="16200000" flipH="1">
+            <a:off x="2928444" y="1101264"/>
+            <a:ext cx="164247" cy="1"/>
+          </a:xfrm>
+          <a:prstGeom prst="bentConnector3">
+            <a:avLst>
+              <a:gd name="adj1" fmla="val 50000"/>
+            </a:avLst>
+          </a:prstGeom>
+          <a:ln>
+            <a:solidFill>
+              <a:schemeClr val="tx1"/>
+            </a:solidFill>
+          </a:ln>
+        </p:spPr>
+        <p:style>
+          <a:lnRef idx="1">
+            <a:schemeClr val="accent1"/>
+          </a:lnRef>
+          <a:fillRef idx="0">
+            <a:schemeClr val="accent1"/>
+          </a:fillRef>
+          <a:effectRef idx="0">
+            <a:schemeClr val="accent1"/>
+          </a:effectRef>
+          <a:fontRef idx="minor">
+            <a:schemeClr val="tx1"/>
+          </a:fontRef>
+        </p:style>
+      </p:cxnSp>
+      <p:cxnSp>
+        <p:nvCxnSpPr>
+          <p:cNvPr id="150" name="13 Conector angular"/>
+          <p:cNvCxnSpPr>
+            <a:endCxn id="24" idx="0"/>
+          </p:cNvCxnSpPr>
+          <p:nvPr/>
+        </p:nvCxnSpPr>
+        <p:spPr>
+          <a:xfrm rot="16200000" flipH="1">
+            <a:off x="992817" y="2798151"/>
+            <a:ext cx="131799" cy="7618"/>
+          </a:xfrm>
+          <a:prstGeom prst="bentConnector3">
+            <a:avLst/>
+          </a:prstGeom>
+          <a:ln>
+            <a:solidFill>
+              <a:schemeClr val="tx1"/>
+            </a:solidFill>
+          </a:ln>
+        </p:spPr>
+        <p:style>
+          <a:lnRef idx="1">
+            <a:schemeClr val="accent1"/>
+          </a:lnRef>
+          <a:fillRef idx="0">
+            <a:schemeClr val="accent1"/>
+          </a:fillRef>
+          <a:effectRef idx="0">
+            <a:schemeClr val="accent1"/>
+          </a:effectRef>
+          <a:fontRef idx="minor">
+            <a:schemeClr val="tx1"/>
+          </a:fontRef>
+        </p:style>
+      </p:cxnSp>
     </p:spTree>
     <p:extLst>
       <p:ext uri="{BB962C8B-B14F-4D97-AF65-F5344CB8AC3E}">
@@ -5334,13 +5034,6 @@
       </p:transition>
     </mc:Fallback>
   </mc:AlternateContent>
-  <p:timing>
-    <p:tnLst>
-      <p:par>
-        <p:cTn id="1" dur="indefinite" restart="never" nodeType="tmRoot"/>
-      </p:par>
-    </p:tnLst>
-  </p:timing>
 </p:sld>
 </file>
 
